--- a/docs/abbildungen/20160318_konzept.pptx
+++ b/docs/abbildungen/20160318_konzept.pptx
@@ -3995,6 +3995,44 @@
           </a:prstGeom>
         </p:spPr>
       </p:pic>
+      <p:sp>
+        <p:nvSpPr>
+          <p:cNvPr id="58" name="Rechteck 57"/>
+          <p:cNvSpPr/>
+          <p:nvPr/>
+        </p:nvSpPr>
+        <p:spPr>
+          <a:xfrm>
+            <a:off x="4966950" y="3814717"/>
+            <a:ext cx="1289777" cy="369332"/>
+          </a:xfrm>
+          <a:prstGeom prst="rect">
+            <a:avLst/>
+          </a:prstGeom>
+        </p:spPr>
+        <p:txBody>
+          <a:bodyPr wrap="none">
+            <a:spAutoFit/>
+          </a:bodyPr>
+          <a:lstStyle/>
+          <a:p>
+            <a:pPr algn="ctr"/>
+            <a:r>
+              <a:rPr lang="de-DE" b="1" dirty="0" smtClean="0">
+                <a:latin typeface="Avenir Black" charset="0"/>
+                <a:ea typeface="Avenir Black" charset="0"/>
+                <a:cs typeface="Avenir Black" charset="0"/>
+              </a:rPr>
+              <a:t>Controller</a:t>
+            </a:r>
+            <a:endParaRPr lang="de-DE" b="1" dirty="0">
+              <a:latin typeface="Avenir Black" charset="0"/>
+              <a:ea typeface="Avenir Black" charset="0"/>
+              <a:cs typeface="Avenir Black" charset="0"/>
+            </a:endParaRPr>
+          </a:p>
+        </p:txBody>
+      </p:sp>
     </p:spTree>
     <p:extLst>
       <p:ext uri="{BB962C8B-B14F-4D97-AF65-F5344CB8AC3E}">

--- a/docs/abbildungen/20160318_konzept.pptx
+++ b/docs/abbildungen/20160318_konzept.pptx
@@ -200,7 +200,7 @@
           <a:p>
             <a:fld id="{5753CF93-5E45-3941-8549-3B143DEE3F14}" type="datetimeFigureOut">
               <a:rPr lang="de-DE" smtClean="0"/>
-              <a:t>18.03.16</a:t>
+              <a:t>22.03.16</a:t>
             </a:fld>
             <a:endParaRPr lang="de-DE"/>
           </a:p>
@@ -414,7 +414,7 @@
           <a:p>
             <a:fld id="{CAD28D52-5B67-8840-9FB3-766E3199C55A}" type="datetimeFigureOut">
               <a:rPr lang="de-DE" smtClean="0"/>
-              <a:t>18.03.16</a:t>
+              <a:t>22.03.16</a:t>
             </a:fld>
             <a:endParaRPr lang="de-DE"/>
           </a:p>
@@ -584,7 +584,7 @@
           <a:p>
             <a:fld id="{CAD28D52-5B67-8840-9FB3-766E3199C55A}" type="datetimeFigureOut">
               <a:rPr lang="de-DE" smtClean="0"/>
-              <a:t>18.03.16</a:t>
+              <a:t>22.03.16</a:t>
             </a:fld>
             <a:endParaRPr lang="de-DE"/>
           </a:p>
@@ -764,7 +764,7 @@
           <a:p>
             <a:fld id="{CAD28D52-5B67-8840-9FB3-766E3199C55A}" type="datetimeFigureOut">
               <a:rPr lang="de-DE" smtClean="0"/>
-              <a:t>18.03.16</a:t>
+              <a:t>22.03.16</a:t>
             </a:fld>
             <a:endParaRPr lang="de-DE"/>
           </a:p>
@@ -934,7 +934,7 @@
           <a:p>
             <a:fld id="{CAD28D52-5B67-8840-9FB3-766E3199C55A}" type="datetimeFigureOut">
               <a:rPr lang="de-DE" smtClean="0"/>
-              <a:t>18.03.16</a:t>
+              <a:t>22.03.16</a:t>
             </a:fld>
             <a:endParaRPr lang="de-DE"/>
           </a:p>
@@ -1180,7 +1180,7 @@
           <a:p>
             <a:fld id="{CAD28D52-5B67-8840-9FB3-766E3199C55A}" type="datetimeFigureOut">
               <a:rPr lang="de-DE" smtClean="0"/>
-              <a:t>18.03.16</a:t>
+              <a:t>22.03.16</a:t>
             </a:fld>
             <a:endParaRPr lang="de-DE"/>
           </a:p>
@@ -1412,7 +1412,7 @@
           <a:p>
             <a:fld id="{CAD28D52-5B67-8840-9FB3-766E3199C55A}" type="datetimeFigureOut">
               <a:rPr lang="de-DE" smtClean="0"/>
-              <a:t>18.03.16</a:t>
+              <a:t>22.03.16</a:t>
             </a:fld>
             <a:endParaRPr lang="de-DE"/>
           </a:p>
@@ -1779,7 +1779,7 @@
           <a:p>
             <a:fld id="{CAD28D52-5B67-8840-9FB3-766E3199C55A}" type="datetimeFigureOut">
               <a:rPr lang="de-DE" smtClean="0"/>
-              <a:t>18.03.16</a:t>
+              <a:t>22.03.16</a:t>
             </a:fld>
             <a:endParaRPr lang="de-DE"/>
           </a:p>
@@ -1897,7 +1897,7 @@
           <a:p>
             <a:fld id="{CAD28D52-5B67-8840-9FB3-766E3199C55A}" type="datetimeFigureOut">
               <a:rPr lang="de-DE" smtClean="0"/>
-              <a:t>18.03.16</a:t>
+              <a:t>22.03.16</a:t>
             </a:fld>
             <a:endParaRPr lang="de-DE"/>
           </a:p>
@@ -1992,7 +1992,7 @@
           <a:p>
             <a:fld id="{CAD28D52-5B67-8840-9FB3-766E3199C55A}" type="datetimeFigureOut">
               <a:rPr lang="de-DE" smtClean="0"/>
-              <a:t>18.03.16</a:t>
+              <a:t>22.03.16</a:t>
             </a:fld>
             <a:endParaRPr lang="de-DE"/>
           </a:p>
@@ -2269,7 +2269,7 @@
           <a:p>
             <a:fld id="{CAD28D52-5B67-8840-9FB3-766E3199C55A}" type="datetimeFigureOut">
               <a:rPr lang="de-DE" smtClean="0"/>
-              <a:t>18.03.16</a:t>
+              <a:t>22.03.16</a:t>
             </a:fld>
             <a:endParaRPr lang="de-DE"/>
           </a:p>
@@ -2522,7 +2522,7 @@
           <a:p>
             <a:fld id="{CAD28D52-5B67-8840-9FB3-766E3199C55A}" type="datetimeFigureOut">
               <a:rPr lang="de-DE" smtClean="0"/>
-              <a:t>18.03.16</a:t>
+              <a:t>22.03.16</a:t>
             </a:fld>
             <a:endParaRPr lang="de-DE"/>
           </a:p>
@@ -2735,7 +2735,7 @@
           <a:p>
             <a:fld id="{CAD28D52-5B67-8840-9FB3-766E3199C55A}" type="datetimeFigureOut">
               <a:rPr lang="de-DE" smtClean="0"/>
-              <a:t>18.03.16</a:t>
+              <a:t>22.03.16</a:t>
             </a:fld>
             <a:endParaRPr lang="de-DE"/>
           </a:p>
@@ -3142,25 +3142,29 @@
       </p:grpSpPr>
       <p:sp>
         <p:nvSpPr>
-          <p:cNvPr id="4" name="Rechteck 3"/>
-          <p:cNvSpPr>
-            <a:spLocks noChangeAspect="1"/>
-          </p:cNvSpPr>
+          <p:cNvPr id="5" name="Rechteck 4"/>
+          <p:cNvSpPr/>
           <p:nvPr/>
         </p:nvSpPr>
         <p:spPr>
           <a:xfrm>
-            <a:off x="1255363" y="-1"/>
-            <a:ext cx="9000000" cy="6364286"/>
+            <a:off x="4243363" y="0"/>
+            <a:ext cx="2880000" cy="6364285"/>
           </a:xfrm>
           <a:prstGeom prst="rect">
             <a:avLst/>
           </a:prstGeom>
-          <a:noFill/>
+          <a:solidFill>
+            <a:schemeClr val="accent3">
+              <a:lumMod val="20000"/>
+              <a:lumOff val="80000"/>
+            </a:schemeClr>
+          </a:solidFill>
           <a:ln>
             <a:solidFill>
               <a:schemeClr val="tx1"/>
             </a:solidFill>
+            <a:prstDash val="dash"/>
           </a:ln>
         </p:spPr>
         <p:style>
@@ -3190,20 +3194,20 @@
       </p:sp>
       <p:sp>
         <p:nvSpPr>
-          <p:cNvPr id="5" name="Rechteck 4"/>
+          <p:cNvPr id="6" name="Rechteck 5"/>
           <p:cNvSpPr/>
           <p:nvPr/>
         </p:nvSpPr>
         <p:spPr>
           <a:xfrm>
-            <a:off x="4243363" y="0"/>
-            <a:ext cx="3024000" cy="6364285"/>
+            <a:off x="1255363" y="-2"/>
+            <a:ext cx="3168000" cy="6364285"/>
           </a:xfrm>
           <a:prstGeom prst="rect">
             <a:avLst/>
           </a:prstGeom>
           <a:solidFill>
-            <a:schemeClr val="accent3">
+            <a:schemeClr val="accent1">
               <a:lumMod val="20000"/>
               <a:lumOff val="80000"/>
             </a:schemeClr>
@@ -3212,6 +3216,7 @@
             <a:solidFill>
               <a:schemeClr val="tx1"/>
             </a:solidFill>
+            <a:prstDash val="dash"/>
           </a:ln>
         </p:spPr>
         <p:style>
@@ -3241,20 +3246,20 @@
       </p:sp>
       <p:sp>
         <p:nvSpPr>
-          <p:cNvPr id="6" name="Rechteck 5"/>
+          <p:cNvPr id="7" name="Rechteck 6"/>
           <p:cNvSpPr/>
           <p:nvPr/>
         </p:nvSpPr>
         <p:spPr>
           <a:xfrm>
-            <a:off x="1255363" y="-2"/>
-            <a:ext cx="2988000" cy="6364285"/>
+            <a:off x="7090003" y="0"/>
+            <a:ext cx="3168000" cy="6364285"/>
           </a:xfrm>
           <a:prstGeom prst="rect">
             <a:avLst/>
           </a:prstGeom>
           <a:solidFill>
-            <a:schemeClr val="accent1">
+            <a:schemeClr val="accent6">
               <a:lumMod val="20000"/>
               <a:lumOff val="80000"/>
             </a:schemeClr>
@@ -3263,6 +3268,7 @@
             <a:solidFill>
               <a:schemeClr val="tx1"/>
             </a:solidFill>
+            <a:prstDash val="dash"/>
           </a:ln>
         </p:spPr>
         <p:style>
@@ -3292,23 +3298,20 @@
       </p:sp>
       <p:sp>
         <p:nvSpPr>
-          <p:cNvPr id="7" name="Rechteck 6"/>
+          <p:cNvPr id="12" name="Rechteck 11"/>
           <p:cNvSpPr/>
           <p:nvPr/>
         </p:nvSpPr>
         <p:spPr>
           <a:xfrm>
-            <a:off x="7267363" y="0"/>
-            <a:ext cx="2988000" cy="6364285"/>
+            <a:off x="1435363" y="5334000"/>
+            <a:ext cx="8640000" cy="828000"/>
           </a:xfrm>
           <a:prstGeom prst="rect">
             <a:avLst/>
           </a:prstGeom>
           <a:solidFill>
-            <a:schemeClr val="accent6">
-              <a:lumMod val="20000"/>
-              <a:lumOff val="80000"/>
-            </a:schemeClr>
+            <a:schemeClr val="bg1"/>
           </a:solidFill>
           <a:ln>
             <a:solidFill>
@@ -3341,27 +3344,76 @@
           </a:p>
         </p:txBody>
       </p:sp>
-      <p:sp>
-        <p:nvSpPr>
-          <p:cNvPr id="12" name="Rechteck 11"/>
+      <p:pic>
+        <p:nvPicPr>
+          <p:cNvPr id="22" name="Bild 21"/>
+          <p:cNvPicPr>
+            <a:picLocks noChangeAspect="1"/>
+          </p:cNvPicPr>
+          <p:nvPr/>
+        </p:nvPicPr>
+        <p:blipFill>
+          <a:blip r:embed="rId2"/>
+          <a:stretch>
+            <a:fillRect/>
+          </a:stretch>
+        </p:blipFill>
+        <p:spPr>
+          <a:xfrm>
+            <a:off x="1361848" y="160366"/>
+            <a:ext cx="550946" cy="792000"/>
+          </a:xfrm>
+          <a:prstGeom prst="rect">
+            <a:avLst/>
+          </a:prstGeom>
+        </p:spPr>
+      </p:pic>
+      <p:pic>
+        <p:nvPicPr>
+          <p:cNvPr id="26" name="Bild 25"/>
+          <p:cNvPicPr>
+            <a:picLocks noChangeAspect="1"/>
+          </p:cNvPicPr>
+          <p:nvPr/>
+        </p:nvPicPr>
+        <p:blipFill>
+          <a:blip r:embed="rId3"/>
+          <a:stretch>
+            <a:fillRect/>
+          </a:stretch>
+        </p:blipFill>
+        <p:spPr>
+          <a:xfrm>
+            <a:off x="1361848" y="4407637"/>
+            <a:ext cx="550946" cy="792000"/>
+          </a:xfrm>
+          <a:prstGeom prst="rect">
+            <a:avLst/>
+          </a:prstGeom>
+        </p:spPr>
+      </p:pic>
+      <p:sp>
+        <p:nvSpPr>
+          <p:cNvPr id="28" name="Rechteck 27"/>
           <p:cNvSpPr/>
           <p:nvPr/>
         </p:nvSpPr>
         <p:spPr>
           <a:xfrm>
-            <a:off x="1435363" y="5334000"/>
-            <a:ext cx="8640000" cy="828000"/>
+            <a:off x="1913730" y="5518530"/>
+            <a:ext cx="2088000" cy="302139"/>
           </a:xfrm>
           <a:prstGeom prst="rect">
             <a:avLst/>
           </a:prstGeom>
           <a:solidFill>
-            <a:schemeClr val="bg1"/>
+            <a:schemeClr val="accent1">
+              <a:lumMod val="20000"/>
+              <a:lumOff val="80000"/>
+            </a:schemeClr>
           </a:solidFill>
           <a:ln>
-            <a:solidFill>
-              <a:schemeClr val="tx1"/>
-            </a:solidFill>
+            <a:noFill/>
           </a:ln>
         </p:spPr>
         <p:style>
@@ -3385,119 +3437,26 @@
           <a:lstStyle/>
           <a:p>
             <a:pPr algn="ctr"/>
-            <a:endParaRPr lang="de-DE"/>
-          </a:p>
-        </p:txBody>
-      </p:sp>
-      <p:pic>
-        <p:nvPicPr>
-          <p:cNvPr id="22" name="Bild 21"/>
-          <p:cNvPicPr>
-            <a:picLocks noChangeAspect="1"/>
-          </p:cNvPicPr>
-          <p:nvPr/>
-        </p:nvPicPr>
-        <p:blipFill>
-          <a:blip r:embed="rId2"/>
-          <a:stretch>
-            <a:fillRect/>
-          </a:stretch>
-        </p:blipFill>
-        <p:spPr>
-          <a:xfrm>
-            <a:off x="1891310" y="1066664"/>
-            <a:ext cx="1016000" cy="1460500"/>
-          </a:xfrm>
-          <a:prstGeom prst="rect">
-            <a:avLst/>
-          </a:prstGeom>
-        </p:spPr>
-      </p:pic>
-      <p:pic>
-        <p:nvPicPr>
-          <p:cNvPr id="26" name="Bild 25"/>
-          <p:cNvPicPr>
-            <a:picLocks noChangeAspect="1"/>
-          </p:cNvPicPr>
-          <p:nvPr/>
-        </p:nvPicPr>
-        <p:blipFill>
-          <a:blip r:embed="rId3"/>
-          <a:stretch>
-            <a:fillRect/>
-          </a:stretch>
-        </p:blipFill>
-        <p:spPr>
-          <a:xfrm>
-            <a:off x="3130715" y="1392432"/>
-            <a:ext cx="1016000" cy="1460500"/>
-          </a:xfrm>
-          <a:prstGeom prst="rect">
-            <a:avLst/>
-          </a:prstGeom>
-        </p:spPr>
-      </p:pic>
-      <p:pic>
-        <p:nvPicPr>
-          <p:cNvPr id="27" name="Bild 26"/>
-          <p:cNvPicPr>
-            <a:picLocks noChangeAspect="1"/>
-          </p:cNvPicPr>
-          <p:nvPr/>
-        </p:nvPicPr>
-        <p:blipFill>
-          <a:blip r:embed="rId4">
-            <a:biLevel thresh="50000"/>
-            <a:extLst>
-              <a:ext uri="{BEBA8EAE-BF5A-486C-A8C5-ECC9F3942E4B}">
-                <a14:imgProps xmlns:a14="http://schemas.microsoft.com/office/drawing/2010/main">
-                  <a14:imgLayer r:embed="rId5">
-                    <a14:imgEffect>
-                      <a14:backgroundRemoval t="0" b="90000" l="0" r="89869">
-                        <a14:foregroundMark x1="5556" y1="50000" x2="5556" y2="50000"/>
-                      </a14:backgroundRemoval>
-                    </a14:imgEffect>
-                    <a14:imgEffect>
-                      <a14:colorTemperature colorTemp="5900"/>
-                    </a14:imgEffect>
-                    <a14:imgEffect>
-                      <a14:saturation sat="0"/>
-                    </a14:imgEffect>
-                  </a14:imgLayer>
-                </a14:imgProps>
-              </a:ext>
-            </a:extLst>
-          </a:blip>
-          <a:stretch>
-            <a:fillRect/>
-          </a:stretch>
-        </p:blipFill>
-        <p:spPr>
-          <a:xfrm>
-            <a:off x="4626596" y="2254200"/>
-            <a:ext cx="2556111" cy="1420061"/>
-          </a:xfrm>
-          <a:prstGeom prst="rect">
-            <a:avLst/>
-          </a:prstGeom>
-        </p:spPr>
-      </p:pic>
-      <p:sp>
-        <p:nvSpPr>
-          <p:cNvPr id="28" name="Rechteck 27"/>
+            <a:endParaRPr lang="de-DE" dirty="0"/>
+          </a:p>
+        </p:txBody>
+      </p:sp>
+      <p:sp>
+        <p:nvSpPr>
+          <p:cNvPr id="29" name="Rechteck 28"/>
           <p:cNvSpPr/>
           <p:nvPr/>
         </p:nvSpPr>
         <p:spPr>
           <a:xfrm>
-            <a:off x="1913730" y="5518530"/>
+            <a:off x="7818810" y="5479575"/>
             <a:ext cx="2088000" cy="302139"/>
           </a:xfrm>
           <a:prstGeom prst="rect">
             <a:avLst/>
           </a:prstGeom>
           <a:solidFill>
-            <a:schemeClr val="accent1">
+            <a:schemeClr val="accent6">
               <a:lumMod val="20000"/>
               <a:lumOff val="80000"/>
             </a:schemeClr>
@@ -3533,20 +3492,20 @@
       </p:sp>
       <p:sp>
         <p:nvSpPr>
-          <p:cNvPr id="29" name="Rechteck 28"/>
+          <p:cNvPr id="30" name="Rechteck 29"/>
           <p:cNvSpPr/>
           <p:nvPr/>
         </p:nvSpPr>
         <p:spPr>
           <a:xfrm>
-            <a:off x="7818810" y="5479575"/>
+            <a:off x="4870067" y="5365827"/>
             <a:ext cx="2088000" cy="302139"/>
           </a:xfrm>
           <a:prstGeom prst="rect">
             <a:avLst/>
           </a:prstGeom>
           <a:solidFill>
-            <a:schemeClr val="accent6">
+            <a:schemeClr val="accent3">
               <a:lumMod val="20000"/>
               <a:lumOff val="80000"/>
             </a:schemeClr>
@@ -3582,26 +3541,646 @@
       </p:sp>
       <p:sp>
         <p:nvSpPr>
-          <p:cNvPr id="30" name="Rechteck 29"/>
+          <p:cNvPr id="31" name="Rechteck 30"/>
           <p:cNvSpPr/>
           <p:nvPr/>
         </p:nvSpPr>
         <p:spPr>
           <a:xfrm>
-            <a:off x="4870067" y="5365827"/>
-            <a:ext cx="2088000" cy="302139"/>
+            <a:off x="2453853" y="5820669"/>
+            <a:ext cx="1114409" cy="369332"/>
           </a:xfrm>
           <a:prstGeom prst="rect">
             <a:avLst/>
           </a:prstGeom>
-          <a:solidFill>
-            <a:schemeClr val="accent3">
-              <a:lumMod val="20000"/>
-              <a:lumOff val="80000"/>
-            </a:schemeClr>
-          </a:solidFill>
+        </p:spPr>
+        <p:txBody>
+          <a:bodyPr wrap="none">
+            <a:spAutoFit/>
+          </a:bodyPr>
+          <a:lstStyle/>
+          <a:p>
+            <a:pPr algn="ctr"/>
+            <a:r>
+              <a:rPr lang="de-DE" b="1" dirty="0" smtClean="0">
+                <a:latin typeface="Avenir Black" charset="0"/>
+                <a:ea typeface="Avenir Black" charset="0"/>
+                <a:cs typeface="Avenir Black" charset="0"/>
+              </a:rPr>
+              <a:t>Sensorik</a:t>
+            </a:r>
+            <a:endParaRPr lang="de-DE" b="1" dirty="0">
+              <a:latin typeface="Avenir Black" charset="0"/>
+              <a:ea typeface="Avenir Black" charset="0"/>
+              <a:cs typeface="Avenir Black" charset="0"/>
+            </a:endParaRPr>
+          </a:p>
+        </p:txBody>
+      </p:sp>
+      <p:sp>
+        <p:nvSpPr>
+          <p:cNvPr id="32" name="Rechteck 31"/>
+          <p:cNvSpPr/>
+          <p:nvPr/>
+        </p:nvSpPr>
+        <p:spPr>
+          <a:xfrm>
+            <a:off x="5084892" y="5781714"/>
+            <a:ext cx="1289777" cy="369332"/>
+          </a:xfrm>
+          <a:prstGeom prst="rect">
+            <a:avLst/>
+          </a:prstGeom>
+        </p:spPr>
+        <p:txBody>
+          <a:bodyPr wrap="none">
+            <a:spAutoFit/>
+          </a:bodyPr>
+          <a:lstStyle/>
+          <a:p>
+            <a:pPr algn="ctr"/>
+            <a:r>
+              <a:rPr lang="de-DE" b="1" smtClean="0">
+                <a:latin typeface="Avenir Black" charset="0"/>
+                <a:ea typeface="Avenir Black" charset="0"/>
+                <a:cs typeface="Avenir Black" charset="0"/>
+              </a:rPr>
+              <a:t>Controller</a:t>
+            </a:r>
+            <a:endParaRPr lang="de-DE" b="1" dirty="0">
+              <a:latin typeface="Avenir Black" charset="0"/>
+              <a:ea typeface="Avenir Black" charset="0"/>
+              <a:cs typeface="Avenir Black" charset="0"/>
+            </a:endParaRPr>
+          </a:p>
+        </p:txBody>
+      </p:sp>
+      <p:sp>
+        <p:nvSpPr>
+          <p:cNvPr id="33" name="Rechteck 32"/>
+          <p:cNvSpPr/>
+          <p:nvPr/>
+        </p:nvSpPr>
+        <p:spPr>
+          <a:xfrm>
+            <a:off x="8420278" y="5717045"/>
+            <a:ext cx="1002198" cy="369332"/>
+          </a:xfrm>
+          <a:prstGeom prst="rect">
+            <a:avLst/>
+          </a:prstGeom>
+        </p:spPr>
+        <p:txBody>
+          <a:bodyPr wrap="none">
+            <a:spAutoFit/>
+          </a:bodyPr>
+          <a:lstStyle/>
+          <a:p>
+            <a:pPr algn="ctr"/>
+            <a:r>
+              <a:rPr lang="de-DE" b="1" dirty="0" err="1" smtClean="0">
+                <a:latin typeface="Avenir Black" charset="0"/>
+                <a:ea typeface="Avenir Black" charset="0"/>
+                <a:cs typeface="Avenir Black" charset="0"/>
+              </a:rPr>
+              <a:t>Aktorik</a:t>
+            </a:r>
+            <a:endParaRPr lang="de-DE" b="1" dirty="0">
+              <a:latin typeface="Avenir Black" charset="0"/>
+              <a:ea typeface="Avenir Black" charset="0"/>
+              <a:cs typeface="Avenir Black" charset="0"/>
+            </a:endParaRPr>
+          </a:p>
+        </p:txBody>
+      </p:sp>
+      <p:sp>
+        <p:nvSpPr>
+          <p:cNvPr id="34" name="Rechteck 33"/>
+          <p:cNvSpPr/>
+          <p:nvPr/>
+        </p:nvSpPr>
+        <p:spPr>
+          <a:xfrm>
+            <a:off x="1936842" y="288483"/>
+            <a:ext cx="2242922" cy="369332"/>
+          </a:xfrm>
+          <a:prstGeom prst="rect">
+            <a:avLst/>
+          </a:prstGeom>
+        </p:spPr>
+        <p:txBody>
+          <a:bodyPr wrap="none">
+            <a:spAutoFit/>
+          </a:bodyPr>
+          <a:lstStyle/>
+          <a:p>
+            <a:pPr algn="ctr"/>
+            <a:r>
+              <a:rPr lang="de-DE" b="1" dirty="0" smtClean="0">
+                <a:latin typeface="Avenir Black" charset="0"/>
+                <a:ea typeface="Avenir Black" charset="0"/>
+                <a:cs typeface="Avenir Black" charset="0"/>
+              </a:rPr>
+              <a:t>Raumtemperatur 1</a:t>
+            </a:r>
+            <a:endParaRPr lang="de-DE" b="1" dirty="0">
+              <a:latin typeface="Avenir Black" charset="0"/>
+              <a:ea typeface="Avenir Black" charset="0"/>
+              <a:cs typeface="Avenir Black" charset="0"/>
+            </a:endParaRPr>
+          </a:p>
+        </p:txBody>
+      </p:sp>
+      <p:sp>
+        <p:nvSpPr>
+          <p:cNvPr id="35" name="Rechteck 34"/>
+          <p:cNvSpPr/>
+          <p:nvPr/>
+        </p:nvSpPr>
+        <p:spPr>
+          <a:xfrm>
+            <a:off x="1936842" y="1340992"/>
+            <a:ext cx="2242922" cy="369332"/>
+          </a:xfrm>
+          <a:prstGeom prst="rect">
+            <a:avLst/>
+          </a:prstGeom>
+        </p:spPr>
+        <p:txBody>
+          <a:bodyPr wrap="none">
+            <a:spAutoFit/>
+          </a:bodyPr>
+          <a:lstStyle/>
+          <a:p>
+            <a:pPr algn="ctr"/>
+            <a:r>
+              <a:rPr lang="de-DE" b="1" dirty="0" smtClean="0">
+                <a:latin typeface="Avenir Black" charset="0"/>
+                <a:ea typeface="Avenir Black" charset="0"/>
+                <a:cs typeface="Avenir Black" charset="0"/>
+              </a:rPr>
+              <a:t>Raumtemperatur 2</a:t>
+            </a:r>
+            <a:endParaRPr lang="de-DE" b="1" dirty="0">
+              <a:latin typeface="Avenir Black" charset="0"/>
+              <a:ea typeface="Avenir Black" charset="0"/>
+              <a:cs typeface="Avenir Black" charset="0"/>
+            </a:endParaRPr>
+          </a:p>
+        </p:txBody>
+      </p:sp>
+      <p:sp>
+        <p:nvSpPr>
+          <p:cNvPr id="36" name="Rechteck 35"/>
+          <p:cNvSpPr/>
+          <p:nvPr/>
+        </p:nvSpPr>
+        <p:spPr>
+          <a:xfrm>
+            <a:off x="1936842" y="2393501"/>
+            <a:ext cx="2192267" cy="369332"/>
+          </a:xfrm>
+          <a:prstGeom prst="rect">
+            <a:avLst/>
+          </a:prstGeom>
+        </p:spPr>
+        <p:txBody>
+          <a:bodyPr wrap="none">
+            <a:spAutoFit/>
+          </a:bodyPr>
+          <a:lstStyle/>
+          <a:p>
+            <a:pPr algn="ctr"/>
+            <a:r>
+              <a:rPr lang="de-DE" b="1" dirty="0" smtClean="0">
+                <a:latin typeface="Avenir Black" charset="0"/>
+                <a:ea typeface="Avenir Black" charset="0"/>
+                <a:cs typeface="Avenir Black" charset="0"/>
+              </a:rPr>
+              <a:t>Heizkörpereinlass</a:t>
+            </a:r>
+            <a:endParaRPr lang="de-DE" b="1" dirty="0">
+              <a:latin typeface="Avenir Black" charset="0"/>
+              <a:ea typeface="Avenir Black" charset="0"/>
+              <a:cs typeface="Avenir Black" charset="0"/>
+            </a:endParaRPr>
+          </a:p>
+        </p:txBody>
+      </p:sp>
+      <p:sp>
+        <p:nvSpPr>
+          <p:cNvPr id="37" name="Rechteck 36"/>
+          <p:cNvSpPr/>
+          <p:nvPr/>
+        </p:nvSpPr>
+        <p:spPr>
+          <a:xfrm>
+            <a:off x="1936842" y="3446010"/>
+            <a:ext cx="2234906" cy="369332"/>
+          </a:xfrm>
+          <a:prstGeom prst="rect">
+            <a:avLst/>
+          </a:prstGeom>
+        </p:spPr>
+        <p:txBody>
+          <a:bodyPr wrap="none">
+            <a:spAutoFit/>
+          </a:bodyPr>
+          <a:lstStyle/>
+          <a:p>
+            <a:pPr algn="ctr"/>
+            <a:r>
+              <a:rPr lang="de-DE" b="1" dirty="0" smtClean="0">
+                <a:latin typeface="Avenir Black" charset="0"/>
+                <a:ea typeface="Avenir Black" charset="0"/>
+                <a:cs typeface="Avenir Black" charset="0"/>
+              </a:rPr>
+              <a:t>Heizkörperauslass</a:t>
+            </a:r>
+            <a:endParaRPr lang="de-DE" b="1" dirty="0">
+              <a:latin typeface="Avenir Black" charset="0"/>
+              <a:ea typeface="Avenir Black" charset="0"/>
+              <a:cs typeface="Avenir Black" charset="0"/>
+            </a:endParaRPr>
+          </a:p>
+        </p:txBody>
+      </p:sp>
+      <p:sp>
+        <p:nvSpPr>
+          <p:cNvPr id="38" name="Rechteck 37"/>
+          <p:cNvSpPr/>
+          <p:nvPr/>
+        </p:nvSpPr>
+        <p:spPr>
+          <a:xfrm>
+            <a:off x="1936842" y="4498519"/>
+            <a:ext cx="2505494" cy="369332"/>
+          </a:xfrm>
+          <a:prstGeom prst="rect">
+            <a:avLst/>
+          </a:prstGeom>
+        </p:spPr>
+        <p:txBody>
+          <a:bodyPr wrap="none">
+            <a:spAutoFit/>
+          </a:bodyPr>
+          <a:lstStyle/>
+          <a:p>
+            <a:pPr algn="ctr"/>
+            <a:r>
+              <a:rPr lang="de-DE" b="1" smtClean="0">
+                <a:latin typeface="Avenir Black" charset="0"/>
+                <a:ea typeface="Avenir Black" charset="0"/>
+                <a:cs typeface="Avenir Black" charset="0"/>
+              </a:rPr>
+              <a:t>Heizkörperdurchfluss</a:t>
+            </a:r>
+            <a:endParaRPr lang="de-DE" b="1" dirty="0">
+              <a:latin typeface="Avenir Black" charset="0"/>
+              <a:ea typeface="Avenir Black" charset="0"/>
+              <a:cs typeface="Avenir Black" charset="0"/>
+            </a:endParaRPr>
+          </a:p>
+        </p:txBody>
+      </p:sp>
+      <p:grpSp>
+        <p:nvGrpSpPr>
+          <p:cNvPr id="8" name="Gruppierung 7"/>
+          <p:cNvGrpSpPr/>
+          <p:nvPr/>
+        </p:nvGrpSpPr>
+        <p:grpSpPr>
+          <a:xfrm>
+            <a:off x="7280791" y="146718"/>
+            <a:ext cx="2015522" cy="792000"/>
+            <a:chOff x="7443914" y="1241926"/>
+            <a:chExt cx="2015522" cy="792000"/>
+          </a:xfrm>
+        </p:grpSpPr>
+        <p:sp>
+          <p:nvSpPr>
+            <p:cNvPr id="40" name="Rechteck 39"/>
+            <p:cNvSpPr/>
+            <p:nvPr/>
+          </p:nvSpPr>
+          <p:spPr>
+            <a:xfrm>
+              <a:off x="8011604" y="1370556"/>
+              <a:ext cx="1447832" cy="369332"/>
+            </a:xfrm>
+            <a:prstGeom prst="rect">
+              <a:avLst/>
+            </a:prstGeom>
+          </p:spPr>
+          <p:txBody>
+            <a:bodyPr wrap="none">
+              <a:spAutoFit/>
+            </a:bodyPr>
+            <a:lstStyle/>
+            <a:p>
+              <a:pPr algn="ctr"/>
+              <a:r>
+                <a:rPr lang="de-DE" b="1" dirty="0" smtClean="0">
+                  <a:latin typeface="Avenir Black" charset="0"/>
+                  <a:ea typeface="Avenir Black" charset="0"/>
+                  <a:cs typeface="Avenir Black" charset="0"/>
+                </a:rPr>
+                <a:t>Stellantrieb</a:t>
+              </a:r>
+              <a:endParaRPr lang="de-DE" b="1" dirty="0">
+                <a:latin typeface="Avenir Black" charset="0"/>
+                <a:ea typeface="Avenir Black" charset="0"/>
+                <a:cs typeface="Avenir Black" charset="0"/>
+              </a:endParaRPr>
+            </a:p>
+          </p:txBody>
+        </p:sp>
+        <p:pic>
+          <p:nvPicPr>
+            <p:cNvPr id="56" name="Bild 55"/>
+            <p:cNvPicPr>
+              <a:picLocks noChangeAspect="1"/>
+            </p:cNvPicPr>
+            <p:nvPr/>
+          </p:nvPicPr>
+          <p:blipFill>
+            <a:blip r:embed="rId4"/>
+            <a:stretch>
+              <a:fillRect/>
+            </a:stretch>
+          </p:blipFill>
+          <p:spPr>
+            <a:xfrm>
+              <a:off x="7443914" y="1241926"/>
+              <a:ext cx="534776" cy="792000"/>
+            </a:xfrm>
+            <a:prstGeom prst="rect">
+              <a:avLst/>
+            </a:prstGeom>
+          </p:spPr>
+        </p:pic>
+      </p:grpSp>
+      <p:pic>
+        <p:nvPicPr>
+          <p:cNvPr id="24" name="Bild 23"/>
+          <p:cNvPicPr>
+            <a:picLocks noChangeAspect="1"/>
+          </p:cNvPicPr>
+          <p:nvPr/>
+        </p:nvPicPr>
+        <p:blipFill>
+          <a:blip r:embed="rId2"/>
+          <a:stretch>
+            <a:fillRect/>
+          </a:stretch>
+        </p:blipFill>
+        <p:spPr>
+          <a:xfrm>
+            <a:off x="1361848" y="1222184"/>
+            <a:ext cx="550946" cy="792000"/>
+          </a:xfrm>
+          <a:prstGeom prst="rect">
+            <a:avLst/>
+          </a:prstGeom>
+        </p:spPr>
+      </p:pic>
+      <p:pic>
+        <p:nvPicPr>
+          <p:cNvPr id="25" name="Bild 24"/>
+          <p:cNvPicPr>
+            <a:picLocks noChangeAspect="1"/>
+          </p:cNvPicPr>
+          <p:nvPr/>
+        </p:nvPicPr>
+        <p:blipFill>
+          <a:blip r:embed="rId2"/>
+          <a:stretch>
+            <a:fillRect/>
+          </a:stretch>
+        </p:blipFill>
+        <p:spPr>
+          <a:xfrm>
+            <a:off x="1361848" y="3345820"/>
+            <a:ext cx="550946" cy="792000"/>
+          </a:xfrm>
+          <a:prstGeom prst="rect">
+            <a:avLst/>
+          </a:prstGeom>
+        </p:spPr>
+      </p:pic>
+      <p:pic>
+        <p:nvPicPr>
+          <p:cNvPr id="39" name="Bild 38"/>
+          <p:cNvPicPr>
+            <a:picLocks noChangeAspect="1"/>
+          </p:cNvPicPr>
+          <p:nvPr/>
+        </p:nvPicPr>
+        <p:blipFill>
+          <a:blip r:embed="rId2"/>
+          <a:stretch>
+            <a:fillRect/>
+          </a:stretch>
+        </p:blipFill>
+        <p:spPr>
+          <a:xfrm>
+            <a:off x="1361848" y="2284002"/>
+            <a:ext cx="550946" cy="792000"/>
+          </a:xfrm>
+          <a:prstGeom prst="rect">
+            <a:avLst/>
+          </a:prstGeom>
+        </p:spPr>
+      </p:pic>
+      <p:cxnSp>
+        <p:nvCxnSpPr>
+          <p:cNvPr id="10" name="Gerade Verbindung 9"/>
+          <p:cNvCxnSpPr/>
+          <p:nvPr/>
+        </p:nvCxnSpPr>
+        <p:spPr>
+          <a:xfrm flipH="1">
+            <a:off x="4870067" y="932003"/>
+            <a:ext cx="2678112" cy="0"/>
+          </a:xfrm>
+          <a:prstGeom prst="line">
+            <a:avLst/>
+          </a:prstGeom>
+          <a:ln w="19050">
+            <a:solidFill>
+              <a:schemeClr val="tx1"/>
+            </a:solidFill>
+          </a:ln>
+        </p:spPr>
+        <p:style>
+          <a:lnRef idx="1">
+            <a:schemeClr val="accent1"/>
+          </a:lnRef>
+          <a:fillRef idx="0">
+            <a:schemeClr val="accent1"/>
+          </a:fillRef>
+          <a:effectRef idx="0">
+            <a:schemeClr val="accent1"/>
+          </a:effectRef>
+          <a:fontRef idx="minor">
+            <a:schemeClr val="tx1"/>
+          </a:fontRef>
+        </p:style>
+      </p:cxnSp>
+      <p:grpSp>
+        <p:nvGrpSpPr>
+          <p:cNvPr id="3" name="Gruppierung 2"/>
+          <p:cNvGrpSpPr/>
+          <p:nvPr/>
+        </p:nvGrpSpPr>
+        <p:grpSpPr>
+          <a:xfrm>
+            <a:off x="4588557" y="2472112"/>
+            <a:ext cx="2556111" cy="1420061"/>
+            <a:chOff x="4588557" y="253620"/>
+            <a:chExt cx="2556111" cy="1420061"/>
+          </a:xfrm>
+        </p:grpSpPr>
+        <p:pic>
+          <p:nvPicPr>
+            <p:cNvPr id="27" name="Bild 26"/>
+            <p:cNvPicPr>
+              <a:picLocks noChangeAspect="1"/>
+            </p:cNvPicPr>
+            <p:nvPr/>
+          </p:nvPicPr>
+          <p:blipFill>
+            <a:blip r:embed="rId5">
+              <a:biLevel thresh="50000"/>
+              <a:extLst>
+                <a:ext uri="{BEBA8EAE-BF5A-486C-A8C5-ECC9F3942E4B}">
+                  <a14:imgProps xmlns:a14="http://schemas.microsoft.com/office/drawing/2010/main">
+                    <a14:imgLayer r:embed="rId6">
+                      <a14:imgEffect>
+                        <a14:backgroundRemoval t="0" b="90000" l="0" r="89869">
+                          <a14:foregroundMark x1="5556" y1="50000" x2="5556" y2="50000"/>
+                        </a14:backgroundRemoval>
+                      </a14:imgEffect>
+                      <a14:imgEffect>
+                        <a14:colorTemperature colorTemp="5900"/>
+                      </a14:imgEffect>
+                      <a14:imgEffect>
+                        <a14:saturation sat="0"/>
+                      </a14:imgEffect>
+                    </a14:imgLayer>
+                  </a14:imgProps>
+                </a:ext>
+              </a:extLst>
+            </a:blip>
+            <a:stretch>
+              <a:fillRect/>
+            </a:stretch>
+          </p:blipFill>
+          <p:spPr>
+            <a:xfrm>
+              <a:off x="4588557" y="253620"/>
+              <a:ext cx="2556111" cy="1420061"/>
+            </a:xfrm>
+            <a:prstGeom prst="rect">
+              <a:avLst/>
+            </a:prstGeom>
+          </p:spPr>
+        </p:pic>
+        <p:sp>
+          <p:nvSpPr>
+            <p:cNvPr id="58" name="Rechteck 57"/>
+            <p:cNvSpPr/>
+            <p:nvPr/>
+          </p:nvSpPr>
+          <p:spPr>
+            <a:xfrm>
+              <a:off x="5318003" y="622688"/>
+              <a:ext cx="1289777" cy="369332"/>
+            </a:xfrm>
+            <a:prstGeom prst="rect">
+              <a:avLst/>
+            </a:prstGeom>
+          </p:spPr>
+          <p:txBody>
+            <a:bodyPr wrap="none">
+              <a:spAutoFit/>
+            </a:bodyPr>
+            <a:lstStyle/>
+            <a:p>
+              <a:pPr algn="ctr"/>
+              <a:r>
+                <a:rPr lang="de-DE" b="1" dirty="0" smtClean="0">
+                  <a:latin typeface="Avenir Black" charset="0"/>
+                  <a:ea typeface="Avenir Black" charset="0"/>
+                  <a:cs typeface="Avenir Black" charset="0"/>
+                </a:rPr>
+                <a:t>Controller</a:t>
+              </a:r>
+              <a:endParaRPr lang="de-DE" b="1" dirty="0">
+                <a:latin typeface="Avenir Black" charset="0"/>
+                <a:ea typeface="Avenir Black" charset="0"/>
+                <a:cs typeface="Avenir Black" charset="0"/>
+              </a:endParaRPr>
+            </a:p>
+          </p:txBody>
+        </p:sp>
+      </p:grpSp>
+      <p:cxnSp>
+        <p:nvCxnSpPr>
+          <p:cNvPr id="41" name="Gerade Verbindung 40"/>
+          <p:cNvCxnSpPr/>
+          <p:nvPr/>
+        </p:nvCxnSpPr>
+        <p:spPr>
+          <a:xfrm flipH="1" flipV="1">
+            <a:off x="1626499" y="932003"/>
+            <a:ext cx="3232746" cy="0"/>
+          </a:xfrm>
+          <a:prstGeom prst="line">
+            <a:avLst/>
+          </a:prstGeom>
+          <a:ln w="19050">
+            <a:solidFill>
+              <a:schemeClr val="tx1"/>
+            </a:solidFill>
+          </a:ln>
+        </p:spPr>
+        <p:style>
+          <a:lnRef idx="1">
+            <a:schemeClr val="accent1"/>
+          </a:lnRef>
+          <a:fillRef idx="0">
+            <a:schemeClr val="accent1"/>
+          </a:fillRef>
+          <a:effectRef idx="0">
+            <a:schemeClr val="accent1"/>
+          </a:effectRef>
+          <a:fontRef idx="minor">
+            <a:schemeClr val="tx1"/>
+          </a:fontRef>
+        </p:style>
+      </p:cxnSp>
+      <p:sp>
+        <p:nvSpPr>
+          <p:cNvPr id="4" name="Rechteck 3"/>
+          <p:cNvSpPr>
+            <a:spLocks noChangeAspect="1"/>
+          </p:cNvSpPr>
+          <p:nvPr/>
+        </p:nvSpPr>
+        <p:spPr>
+          <a:xfrm>
+            <a:off x="1255363" y="-1"/>
+            <a:ext cx="9000000" cy="6364286"/>
+          </a:xfrm>
+          <a:prstGeom prst="rect">
+            <a:avLst/>
+          </a:prstGeom>
+          <a:noFill/>
           <a:ln>
-            <a:noFill/>
+            <a:solidFill>
+              <a:schemeClr val="tx1"/>
+            </a:solidFill>
           </a:ln>
         </p:spPr>
         <p:style>
@@ -3625,414 +4204,255 @@
           <a:lstStyle/>
           <a:p>
             <a:pPr algn="ctr"/>
-            <a:endParaRPr lang="de-DE" dirty="0"/>
-          </a:p>
-        </p:txBody>
-      </p:sp>
-      <p:sp>
-        <p:nvSpPr>
-          <p:cNvPr id="31" name="Rechteck 30"/>
-          <p:cNvSpPr/>
+            <a:endParaRPr lang="de-DE"/>
+          </a:p>
+        </p:txBody>
+      </p:sp>
+      <p:cxnSp>
+        <p:nvCxnSpPr>
+          <p:cNvPr id="42" name="Gerade Verbindung 41"/>
+          <p:cNvCxnSpPr/>
           <p:nvPr/>
-        </p:nvSpPr>
-        <p:spPr>
-          <a:xfrm>
-            <a:off x="2453853" y="5820669"/>
-            <a:ext cx="1114409" cy="369332"/>
-          </a:xfrm>
-          <a:prstGeom prst="rect">
+        </p:nvCxnSpPr>
+        <p:spPr>
+          <a:xfrm flipH="1" flipV="1">
+            <a:off x="1626499" y="2000329"/>
+            <a:ext cx="3232746" cy="0"/>
+          </a:xfrm>
+          <a:prstGeom prst="line">
             <a:avLst/>
           </a:prstGeom>
-        </p:spPr>
-        <p:txBody>
-          <a:bodyPr wrap="none">
-            <a:spAutoFit/>
-          </a:bodyPr>
-          <a:lstStyle/>
-          <a:p>
-            <a:pPr algn="ctr"/>
-            <a:r>
-              <a:rPr lang="de-DE" b="1" dirty="0" smtClean="0">
-                <a:latin typeface="Avenir Black" charset="0"/>
-                <a:ea typeface="Avenir Black" charset="0"/>
-                <a:cs typeface="Avenir Black" charset="0"/>
-              </a:rPr>
-              <a:t>Sensorik</a:t>
-            </a:r>
-            <a:endParaRPr lang="de-DE" b="1" dirty="0">
-              <a:latin typeface="Avenir Black" charset="0"/>
-              <a:ea typeface="Avenir Black" charset="0"/>
-              <a:cs typeface="Avenir Black" charset="0"/>
-            </a:endParaRPr>
-          </a:p>
-        </p:txBody>
-      </p:sp>
-      <p:sp>
-        <p:nvSpPr>
-          <p:cNvPr id="32" name="Rechteck 31"/>
-          <p:cNvSpPr/>
+          <a:ln w="19050">
+            <a:solidFill>
+              <a:schemeClr val="tx1"/>
+            </a:solidFill>
+          </a:ln>
+        </p:spPr>
+        <p:style>
+          <a:lnRef idx="1">
+            <a:schemeClr val="accent1"/>
+          </a:lnRef>
+          <a:fillRef idx="0">
+            <a:schemeClr val="accent1"/>
+          </a:fillRef>
+          <a:effectRef idx="0">
+            <a:schemeClr val="accent1"/>
+          </a:effectRef>
+          <a:fontRef idx="minor">
+            <a:schemeClr val="tx1"/>
+          </a:fontRef>
+        </p:style>
+      </p:cxnSp>
+      <p:cxnSp>
+        <p:nvCxnSpPr>
+          <p:cNvPr id="43" name="Gerade Verbindung 42"/>
+          <p:cNvCxnSpPr/>
           <p:nvPr/>
-        </p:nvSpPr>
-        <p:spPr>
-          <a:xfrm>
-            <a:off x="5084892" y="5781714"/>
-            <a:ext cx="1289777" cy="369332"/>
-          </a:xfrm>
-          <a:prstGeom prst="rect">
+        </p:nvCxnSpPr>
+        <p:spPr>
+          <a:xfrm flipH="1" flipV="1">
+            <a:off x="1626499" y="3049762"/>
+            <a:ext cx="3232746" cy="0"/>
+          </a:xfrm>
+          <a:prstGeom prst="line">
             <a:avLst/>
           </a:prstGeom>
-        </p:spPr>
-        <p:txBody>
-          <a:bodyPr wrap="none">
-            <a:spAutoFit/>
-          </a:bodyPr>
-          <a:lstStyle/>
-          <a:p>
-            <a:pPr algn="ctr"/>
-            <a:r>
-              <a:rPr lang="de-DE" b="1" smtClean="0">
-                <a:latin typeface="Avenir Black" charset="0"/>
-                <a:ea typeface="Avenir Black" charset="0"/>
-                <a:cs typeface="Avenir Black" charset="0"/>
-              </a:rPr>
-              <a:t>Controller</a:t>
-            </a:r>
-            <a:endParaRPr lang="de-DE" b="1" dirty="0">
-              <a:latin typeface="Avenir Black" charset="0"/>
-              <a:ea typeface="Avenir Black" charset="0"/>
-              <a:cs typeface="Avenir Black" charset="0"/>
-            </a:endParaRPr>
-          </a:p>
-        </p:txBody>
-      </p:sp>
-      <p:sp>
-        <p:nvSpPr>
-          <p:cNvPr id="33" name="Rechteck 32"/>
-          <p:cNvSpPr/>
+          <a:ln w="19050">
+            <a:solidFill>
+              <a:schemeClr val="tx1"/>
+            </a:solidFill>
+          </a:ln>
+        </p:spPr>
+        <p:style>
+          <a:lnRef idx="1">
+            <a:schemeClr val="accent1"/>
+          </a:lnRef>
+          <a:fillRef idx="0">
+            <a:schemeClr val="accent1"/>
+          </a:fillRef>
+          <a:effectRef idx="0">
+            <a:schemeClr val="accent1"/>
+          </a:effectRef>
+          <a:fontRef idx="minor">
+            <a:schemeClr val="tx1"/>
+          </a:fontRef>
+        </p:style>
+      </p:cxnSp>
+      <p:cxnSp>
+        <p:nvCxnSpPr>
+          <p:cNvPr id="44" name="Gerade Verbindung 43"/>
+          <p:cNvCxnSpPr/>
           <p:nvPr/>
-        </p:nvSpPr>
-        <p:spPr>
-          <a:xfrm>
-            <a:off x="8420278" y="5717045"/>
-            <a:ext cx="1002198" cy="369332"/>
-          </a:xfrm>
-          <a:prstGeom prst="rect">
+        </p:nvCxnSpPr>
+        <p:spPr>
+          <a:xfrm flipH="1" flipV="1">
+            <a:off x="1626499" y="4114369"/>
+            <a:ext cx="3232746" cy="0"/>
+          </a:xfrm>
+          <a:prstGeom prst="line">
             <a:avLst/>
           </a:prstGeom>
-        </p:spPr>
-        <p:txBody>
-          <a:bodyPr wrap="none">
-            <a:spAutoFit/>
-          </a:bodyPr>
-          <a:lstStyle/>
-          <a:p>
-            <a:pPr algn="ctr"/>
-            <a:r>
-              <a:rPr lang="de-DE" b="1" dirty="0" err="1" smtClean="0">
-                <a:latin typeface="Avenir Black" charset="0"/>
-                <a:ea typeface="Avenir Black" charset="0"/>
-                <a:cs typeface="Avenir Black" charset="0"/>
-              </a:rPr>
-              <a:t>Aktorik</a:t>
-            </a:r>
-            <a:endParaRPr lang="de-DE" b="1" dirty="0">
-              <a:latin typeface="Avenir Black" charset="0"/>
-              <a:ea typeface="Avenir Black" charset="0"/>
-              <a:cs typeface="Avenir Black" charset="0"/>
-            </a:endParaRPr>
-          </a:p>
-        </p:txBody>
-      </p:sp>
-      <p:sp>
-        <p:nvSpPr>
-          <p:cNvPr id="34" name="Rechteck 33"/>
-          <p:cNvSpPr/>
+          <a:ln w="19050">
+            <a:solidFill>
+              <a:schemeClr val="tx1"/>
+            </a:solidFill>
+          </a:ln>
+        </p:spPr>
+        <p:style>
+          <a:lnRef idx="1">
+            <a:schemeClr val="accent1"/>
+          </a:lnRef>
+          <a:fillRef idx="0">
+            <a:schemeClr val="accent1"/>
+          </a:fillRef>
+          <a:effectRef idx="0">
+            <a:schemeClr val="accent1"/>
+          </a:effectRef>
+          <a:fontRef idx="minor">
+            <a:schemeClr val="tx1"/>
+          </a:fontRef>
+        </p:style>
+      </p:cxnSp>
+      <p:cxnSp>
+        <p:nvCxnSpPr>
+          <p:cNvPr id="45" name="Gerade Verbindung 44"/>
+          <p:cNvCxnSpPr/>
           <p:nvPr/>
-        </p:nvSpPr>
-        <p:spPr>
-          <a:xfrm>
-            <a:off x="1332395" y="387849"/>
-            <a:ext cx="2242922" cy="369332"/>
-          </a:xfrm>
-          <a:prstGeom prst="rect">
+        </p:nvCxnSpPr>
+        <p:spPr>
+          <a:xfrm flipH="1" flipV="1">
+            <a:off x="1626499" y="5180032"/>
+            <a:ext cx="3232746" cy="0"/>
+          </a:xfrm>
+          <a:prstGeom prst="line">
             <a:avLst/>
           </a:prstGeom>
-        </p:spPr>
-        <p:txBody>
-          <a:bodyPr wrap="none">
-            <a:spAutoFit/>
-          </a:bodyPr>
-          <a:lstStyle/>
-          <a:p>
-            <a:pPr algn="ctr"/>
-            <a:r>
-              <a:rPr lang="de-DE" b="1" dirty="0" smtClean="0">
-                <a:latin typeface="Avenir Black" charset="0"/>
-                <a:ea typeface="Avenir Black" charset="0"/>
-                <a:cs typeface="Avenir Black" charset="0"/>
-              </a:rPr>
-              <a:t>Raumtemperatur 1</a:t>
-            </a:r>
-            <a:endParaRPr lang="de-DE" b="1" dirty="0">
-              <a:latin typeface="Avenir Black" charset="0"/>
-              <a:ea typeface="Avenir Black" charset="0"/>
-              <a:cs typeface="Avenir Black" charset="0"/>
-            </a:endParaRPr>
-          </a:p>
-        </p:txBody>
-      </p:sp>
-      <p:sp>
-        <p:nvSpPr>
-          <p:cNvPr id="35" name="Rechteck 34"/>
-          <p:cNvSpPr/>
+          <a:ln w="19050">
+            <a:solidFill>
+              <a:schemeClr val="tx1"/>
+            </a:solidFill>
+          </a:ln>
+        </p:spPr>
+        <p:style>
+          <a:lnRef idx="1">
+            <a:schemeClr val="accent1"/>
+          </a:lnRef>
+          <a:fillRef idx="0">
+            <a:schemeClr val="accent1"/>
+          </a:fillRef>
+          <a:effectRef idx="0">
+            <a:schemeClr val="accent1"/>
+          </a:effectRef>
+          <a:fontRef idx="minor">
+            <a:schemeClr val="tx1"/>
+          </a:fontRef>
+        </p:style>
+      </p:cxnSp>
+      <p:cxnSp>
+        <p:nvCxnSpPr>
+          <p:cNvPr id="46" name="Gerade Verbindung 45"/>
+          <p:cNvCxnSpPr/>
           <p:nvPr/>
-        </p:nvSpPr>
-        <p:spPr>
-          <a:xfrm>
-            <a:off x="1429067" y="2908478"/>
-            <a:ext cx="2242922" cy="369332"/>
-          </a:xfrm>
-          <a:prstGeom prst="rect">
+        </p:nvCxnSpPr>
+        <p:spPr>
+          <a:xfrm flipH="1" flipV="1">
+            <a:off x="1637321" y="932003"/>
+            <a:ext cx="3232746" cy="0"/>
+          </a:xfrm>
+          <a:prstGeom prst="line">
             <a:avLst/>
           </a:prstGeom>
-        </p:spPr>
-        <p:txBody>
-          <a:bodyPr wrap="none">
-            <a:spAutoFit/>
-          </a:bodyPr>
-          <a:lstStyle/>
-          <a:p>
-            <a:pPr algn="ctr"/>
-            <a:r>
-              <a:rPr lang="de-DE" b="1" dirty="0" smtClean="0">
-                <a:latin typeface="Avenir Black" charset="0"/>
-                <a:ea typeface="Avenir Black" charset="0"/>
-                <a:cs typeface="Avenir Black" charset="0"/>
-              </a:rPr>
-              <a:t>Raumtemperatur 2</a:t>
-            </a:r>
-            <a:endParaRPr lang="de-DE" b="1" dirty="0">
-              <a:latin typeface="Avenir Black" charset="0"/>
-              <a:ea typeface="Avenir Black" charset="0"/>
-              <a:cs typeface="Avenir Black" charset="0"/>
-            </a:endParaRPr>
-          </a:p>
-        </p:txBody>
-      </p:sp>
-      <p:sp>
-        <p:nvSpPr>
-          <p:cNvPr id="36" name="Rechteck 35"/>
-          <p:cNvSpPr/>
+          <a:ln w="19050">
+            <a:solidFill>
+              <a:schemeClr val="tx1"/>
+            </a:solidFill>
+          </a:ln>
+        </p:spPr>
+        <p:style>
+          <a:lnRef idx="1">
+            <a:schemeClr val="accent1"/>
+          </a:lnRef>
+          <a:fillRef idx="0">
+            <a:schemeClr val="accent1"/>
+          </a:fillRef>
+          <a:effectRef idx="0">
+            <a:schemeClr val="accent1"/>
+          </a:effectRef>
+          <a:fontRef idx="minor">
+            <a:schemeClr val="tx1"/>
+          </a:fontRef>
+        </p:style>
+      </p:cxnSp>
+      <p:cxnSp>
+        <p:nvCxnSpPr>
+          <p:cNvPr id="47" name="Gerade Verbindung 46"/>
+          <p:cNvCxnSpPr/>
           <p:nvPr/>
-        </p:nvSpPr>
-        <p:spPr>
-          <a:xfrm>
-            <a:off x="1380222" y="4104359"/>
-            <a:ext cx="2192267" cy="369332"/>
-          </a:xfrm>
-          <a:prstGeom prst="rect">
+        </p:nvCxnSpPr>
+        <p:spPr>
+          <a:xfrm flipV="1">
+            <a:off x="4856348" y="932002"/>
+            <a:ext cx="2897" cy="1656000"/>
+          </a:xfrm>
+          <a:prstGeom prst="line">
             <a:avLst/>
           </a:prstGeom>
-        </p:spPr>
-        <p:txBody>
-          <a:bodyPr wrap="none">
-            <a:spAutoFit/>
-          </a:bodyPr>
-          <a:lstStyle/>
-          <a:p>
-            <a:pPr algn="ctr"/>
-            <a:r>
-              <a:rPr lang="de-DE" b="1" dirty="0" smtClean="0">
-                <a:latin typeface="Avenir Black" charset="0"/>
-                <a:ea typeface="Avenir Black" charset="0"/>
-                <a:cs typeface="Avenir Black" charset="0"/>
-              </a:rPr>
-              <a:t>Heizkörpereinlass</a:t>
-            </a:r>
-            <a:endParaRPr lang="de-DE" b="1" dirty="0">
-              <a:latin typeface="Avenir Black" charset="0"/>
-              <a:ea typeface="Avenir Black" charset="0"/>
-              <a:cs typeface="Avenir Black" charset="0"/>
-            </a:endParaRPr>
-          </a:p>
-        </p:txBody>
-      </p:sp>
-      <p:sp>
-        <p:nvSpPr>
-          <p:cNvPr id="37" name="Rechteck 36"/>
-          <p:cNvSpPr/>
+          <a:ln w="19050">
+            <a:solidFill>
+              <a:schemeClr val="tx1"/>
+            </a:solidFill>
+          </a:ln>
+        </p:spPr>
+        <p:style>
+          <a:lnRef idx="1">
+            <a:schemeClr val="accent1"/>
+          </a:lnRef>
+          <a:fillRef idx="0">
+            <a:schemeClr val="accent1"/>
+          </a:fillRef>
+          <a:effectRef idx="0">
+            <a:schemeClr val="accent1"/>
+          </a:effectRef>
+          <a:fontRef idx="minor">
+            <a:schemeClr val="tx1"/>
+          </a:fontRef>
+        </p:style>
+      </p:cxnSp>
+      <p:cxnSp>
+        <p:nvCxnSpPr>
+          <p:cNvPr id="48" name="Gerade Verbindung 47"/>
+          <p:cNvCxnSpPr/>
           <p:nvPr/>
-        </p:nvSpPr>
-        <p:spPr>
-          <a:xfrm>
-            <a:off x="1321026" y="4774829"/>
-            <a:ext cx="2234906" cy="369332"/>
-          </a:xfrm>
-          <a:prstGeom prst="rect">
+        </p:nvCxnSpPr>
+        <p:spPr>
+          <a:xfrm flipH="1" flipV="1">
+            <a:off x="4850811" y="3694734"/>
+            <a:ext cx="0" cy="1485298"/>
+          </a:xfrm>
+          <a:prstGeom prst="line">
             <a:avLst/>
           </a:prstGeom>
-        </p:spPr>
-        <p:txBody>
-          <a:bodyPr wrap="none">
-            <a:spAutoFit/>
-          </a:bodyPr>
-          <a:lstStyle/>
-          <a:p>
-            <a:pPr algn="ctr"/>
-            <a:r>
-              <a:rPr lang="de-DE" b="1" dirty="0" smtClean="0">
-                <a:latin typeface="Avenir Black" charset="0"/>
-                <a:ea typeface="Avenir Black" charset="0"/>
-                <a:cs typeface="Avenir Black" charset="0"/>
-              </a:rPr>
-              <a:t>Heizkörperauslass</a:t>
-            </a:r>
-            <a:endParaRPr lang="de-DE" b="1" dirty="0">
-              <a:latin typeface="Avenir Black" charset="0"/>
-              <a:ea typeface="Avenir Black" charset="0"/>
-              <a:cs typeface="Avenir Black" charset="0"/>
-            </a:endParaRPr>
-          </a:p>
-        </p:txBody>
-      </p:sp>
-      <p:sp>
-        <p:nvSpPr>
-          <p:cNvPr id="38" name="Rechteck 37"/>
-          <p:cNvSpPr/>
-          <p:nvPr/>
-        </p:nvSpPr>
-        <p:spPr>
-          <a:xfrm>
-            <a:off x="1380222" y="3640108"/>
-            <a:ext cx="2505494" cy="369332"/>
-          </a:xfrm>
-          <a:prstGeom prst="rect">
-            <a:avLst/>
-          </a:prstGeom>
-        </p:spPr>
-        <p:txBody>
-          <a:bodyPr wrap="none">
-            <a:spAutoFit/>
-          </a:bodyPr>
-          <a:lstStyle/>
-          <a:p>
-            <a:pPr algn="ctr"/>
-            <a:r>
-              <a:rPr lang="de-DE" b="1" smtClean="0">
-                <a:latin typeface="Avenir Black" charset="0"/>
-                <a:ea typeface="Avenir Black" charset="0"/>
-                <a:cs typeface="Avenir Black" charset="0"/>
-              </a:rPr>
-              <a:t>Heizkörperdurchfluss</a:t>
-            </a:r>
-            <a:endParaRPr lang="de-DE" b="1" dirty="0">
-              <a:latin typeface="Avenir Black" charset="0"/>
-              <a:ea typeface="Avenir Black" charset="0"/>
-              <a:cs typeface="Avenir Black" charset="0"/>
-            </a:endParaRPr>
-          </a:p>
-        </p:txBody>
-      </p:sp>
-      <p:sp>
-        <p:nvSpPr>
-          <p:cNvPr id="40" name="Rechteck 39"/>
-          <p:cNvSpPr/>
-          <p:nvPr/>
-        </p:nvSpPr>
-        <p:spPr>
-          <a:xfrm>
-            <a:off x="7705391" y="3432057"/>
-            <a:ext cx="1447832" cy="369332"/>
-          </a:xfrm>
-          <a:prstGeom prst="rect">
-            <a:avLst/>
-          </a:prstGeom>
-        </p:spPr>
-        <p:txBody>
-          <a:bodyPr wrap="none">
-            <a:spAutoFit/>
-          </a:bodyPr>
-          <a:lstStyle/>
-          <a:p>
-            <a:pPr algn="ctr"/>
-            <a:r>
-              <a:rPr lang="de-DE" b="1" dirty="0" smtClean="0">
-                <a:latin typeface="Avenir Black" charset="0"/>
-                <a:ea typeface="Avenir Black" charset="0"/>
-                <a:cs typeface="Avenir Black" charset="0"/>
-              </a:rPr>
-              <a:t>Stellantrieb</a:t>
-            </a:r>
-            <a:endParaRPr lang="de-DE" b="1" dirty="0">
-              <a:latin typeface="Avenir Black" charset="0"/>
-              <a:ea typeface="Avenir Black" charset="0"/>
-              <a:cs typeface="Avenir Black" charset="0"/>
-            </a:endParaRPr>
-          </a:p>
-        </p:txBody>
-      </p:sp>
-      <p:pic>
-        <p:nvPicPr>
-          <p:cNvPr id="56" name="Bild 55"/>
-          <p:cNvPicPr>
-            <a:picLocks noChangeAspect="1"/>
-          </p:cNvPicPr>
-          <p:nvPr/>
-        </p:nvPicPr>
-        <p:blipFill>
-          <a:blip r:embed="rId6"/>
-          <a:stretch>
-            <a:fillRect/>
-          </a:stretch>
-        </p:blipFill>
-        <p:spPr>
-          <a:xfrm>
-            <a:off x="8075401" y="1673681"/>
-            <a:ext cx="1003300" cy="1485900"/>
-          </a:xfrm>
-          <a:prstGeom prst="rect">
-            <a:avLst/>
-          </a:prstGeom>
-        </p:spPr>
-      </p:pic>
-      <p:sp>
-        <p:nvSpPr>
-          <p:cNvPr id="58" name="Rechteck 57"/>
-          <p:cNvSpPr/>
-          <p:nvPr/>
-        </p:nvSpPr>
-        <p:spPr>
-          <a:xfrm>
-            <a:off x="4966950" y="3814717"/>
-            <a:ext cx="1289777" cy="369332"/>
-          </a:xfrm>
-          <a:prstGeom prst="rect">
-            <a:avLst/>
-          </a:prstGeom>
-        </p:spPr>
-        <p:txBody>
-          <a:bodyPr wrap="none">
-            <a:spAutoFit/>
-          </a:bodyPr>
-          <a:lstStyle/>
-          <a:p>
-            <a:pPr algn="ctr"/>
-            <a:r>
-              <a:rPr lang="de-DE" b="1" dirty="0" smtClean="0">
-                <a:latin typeface="Avenir Black" charset="0"/>
-                <a:ea typeface="Avenir Black" charset="0"/>
-                <a:cs typeface="Avenir Black" charset="0"/>
-              </a:rPr>
-              <a:t>Controller</a:t>
-            </a:r>
-            <a:endParaRPr lang="de-DE" b="1" dirty="0">
-              <a:latin typeface="Avenir Black" charset="0"/>
-              <a:ea typeface="Avenir Black" charset="0"/>
-              <a:cs typeface="Avenir Black" charset="0"/>
-            </a:endParaRPr>
-          </a:p>
-        </p:txBody>
-      </p:sp>
+          <a:ln w="19050">
+            <a:solidFill>
+              <a:schemeClr val="tx1"/>
+            </a:solidFill>
+          </a:ln>
+        </p:spPr>
+        <p:style>
+          <a:lnRef idx="1">
+            <a:schemeClr val="accent1"/>
+          </a:lnRef>
+          <a:fillRef idx="0">
+            <a:schemeClr val="accent1"/>
+          </a:fillRef>
+          <a:effectRef idx="0">
+            <a:schemeClr val="accent1"/>
+          </a:effectRef>
+          <a:fontRef idx="minor">
+            <a:schemeClr val="tx1"/>
+          </a:fontRef>
+        </p:style>
+      </p:cxnSp>
     </p:spTree>
     <p:extLst>
       <p:ext uri="{BB962C8B-B14F-4D97-AF65-F5344CB8AC3E}">

--- a/docs/abbildungen/20160318_konzept.pptx
+++ b/docs/abbildungen/20160318_konzept.pptx
@@ -200,7 +200,7 @@
           <a:p>
             <a:fld id="{5753CF93-5E45-3941-8549-3B143DEE3F14}" type="datetimeFigureOut">
               <a:rPr lang="de-DE" smtClean="0"/>
-              <a:t>22.03.16</a:t>
+              <a:t>24.03.16</a:t>
             </a:fld>
             <a:endParaRPr lang="de-DE"/>
           </a:p>
@@ -414,7 +414,7 @@
           <a:p>
             <a:fld id="{CAD28D52-5B67-8840-9FB3-766E3199C55A}" type="datetimeFigureOut">
               <a:rPr lang="de-DE" smtClean="0"/>
-              <a:t>22.03.16</a:t>
+              <a:t>24.03.16</a:t>
             </a:fld>
             <a:endParaRPr lang="de-DE"/>
           </a:p>
@@ -584,7 +584,7 @@
           <a:p>
             <a:fld id="{CAD28D52-5B67-8840-9FB3-766E3199C55A}" type="datetimeFigureOut">
               <a:rPr lang="de-DE" smtClean="0"/>
-              <a:t>22.03.16</a:t>
+              <a:t>24.03.16</a:t>
             </a:fld>
             <a:endParaRPr lang="de-DE"/>
           </a:p>
@@ -764,7 +764,7 @@
           <a:p>
             <a:fld id="{CAD28D52-5B67-8840-9FB3-766E3199C55A}" type="datetimeFigureOut">
               <a:rPr lang="de-DE" smtClean="0"/>
-              <a:t>22.03.16</a:t>
+              <a:t>24.03.16</a:t>
             </a:fld>
             <a:endParaRPr lang="de-DE"/>
           </a:p>
@@ -934,7 +934,7 @@
           <a:p>
             <a:fld id="{CAD28D52-5B67-8840-9FB3-766E3199C55A}" type="datetimeFigureOut">
               <a:rPr lang="de-DE" smtClean="0"/>
-              <a:t>22.03.16</a:t>
+              <a:t>24.03.16</a:t>
             </a:fld>
             <a:endParaRPr lang="de-DE"/>
           </a:p>
@@ -1180,7 +1180,7 @@
           <a:p>
             <a:fld id="{CAD28D52-5B67-8840-9FB3-766E3199C55A}" type="datetimeFigureOut">
               <a:rPr lang="de-DE" smtClean="0"/>
-              <a:t>22.03.16</a:t>
+              <a:t>24.03.16</a:t>
             </a:fld>
             <a:endParaRPr lang="de-DE"/>
           </a:p>
@@ -1412,7 +1412,7 @@
           <a:p>
             <a:fld id="{CAD28D52-5B67-8840-9FB3-766E3199C55A}" type="datetimeFigureOut">
               <a:rPr lang="de-DE" smtClean="0"/>
-              <a:t>22.03.16</a:t>
+              <a:t>24.03.16</a:t>
             </a:fld>
             <a:endParaRPr lang="de-DE"/>
           </a:p>
@@ -1779,7 +1779,7 @@
           <a:p>
             <a:fld id="{CAD28D52-5B67-8840-9FB3-766E3199C55A}" type="datetimeFigureOut">
               <a:rPr lang="de-DE" smtClean="0"/>
-              <a:t>22.03.16</a:t>
+              <a:t>24.03.16</a:t>
             </a:fld>
             <a:endParaRPr lang="de-DE"/>
           </a:p>
@@ -1897,7 +1897,7 @@
           <a:p>
             <a:fld id="{CAD28D52-5B67-8840-9FB3-766E3199C55A}" type="datetimeFigureOut">
               <a:rPr lang="de-DE" smtClean="0"/>
-              <a:t>22.03.16</a:t>
+              <a:t>24.03.16</a:t>
             </a:fld>
             <a:endParaRPr lang="de-DE"/>
           </a:p>
@@ -1992,7 +1992,7 @@
           <a:p>
             <a:fld id="{CAD28D52-5B67-8840-9FB3-766E3199C55A}" type="datetimeFigureOut">
               <a:rPr lang="de-DE" smtClean="0"/>
-              <a:t>22.03.16</a:t>
+              <a:t>24.03.16</a:t>
             </a:fld>
             <a:endParaRPr lang="de-DE"/>
           </a:p>
@@ -2269,7 +2269,7 @@
           <a:p>
             <a:fld id="{CAD28D52-5B67-8840-9FB3-766E3199C55A}" type="datetimeFigureOut">
               <a:rPr lang="de-DE" smtClean="0"/>
-              <a:t>22.03.16</a:t>
+              <a:t>24.03.16</a:t>
             </a:fld>
             <a:endParaRPr lang="de-DE"/>
           </a:p>
@@ -2522,7 +2522,7 @@
           <a:p>
             <a:fld id="{CAD28D52-5B67-8840-9FB3-766E3199C55A}" type="datetimeFigureOut">
               <a:rPr lang="de-DE" smtClean="0"/>
-              <a:t>22.03.16</a:t>
+              <a:t>24.03.16</a:t>
             </a:fld>
             <a:endParaRPr lang="de-DE"/>
           </a:p>
@@ -2735,7 +2735,7 @@
           <a:p>
             <a:fld id="{CAD28D52-5B67-8840-9FB3-766E3199C55A}" type="datetimeFigureOut">
               <a:rPr lang="de-DE" smtClean="0"/>
-              <a:t>22.03.16</a:t>
+              <a:t>24.03.16</a:t>
             </a:fld>
             <a:endParaRPr lang="de-DE"/>
           </a:p>
@@ -3149,7 +3149,7 @@
         <p:spPr>
           <a:xfrm>
             <a:off x="4243363" y="0"/>
-            <a:ext cx="2880000" cy="6364285"/>
+            <a:ext cx="2880000" cy="6109527"/>
           </a:xfrm>
           <a:prstGeom prst="rect">
             <a:avLst/>
@@ -3201,7 +3201,7 @@
         <p:spPr>
           <a:xfrm>
             <a:off x="1255363" y="-2"/>
-            <a:ext cx="3168000" cy="6364285"/>
+            <a:ext cx="3168000" cy="6109527"/>
           </a:xfrm>
           <a:prstGeom prst="rect">
             <a:avLst/>
@@ -3253,7 +3253,7 @@
         <p:spPr>
           <a:xfrm>
             <a:off x="7090003" y="0"/>
-            <a:ext cx="3168000" cy="6364285"/>
+            <a:ext cx="3168000" cy="6109527"/>
           </a:xfrm>
           <a:prstGeom prst="rect">
             <a:avLst/>
@@ -3296,27 +3296,76 @@
           </a:p>
         </p:txBody>
       </p:sp>
-      <p:sp>
-        <p:nvSpPr>
-          <p:cNvPr id="12" name="Rechteck 11"/>
+      <p:pic>
+        <p:nvPicPr>
+          <p:cNvPr id="22" name="Bild 21"/>
+          <p:cNvPicPr>
+            <a:picLocks noChangeAspect="1"/>
+          </p:cNvPicPr>
+          <p:nvPr/>
+        </p:nvPicPr>
+        <p:blipFill>
+          <a:blip r:embed="rId2"/>
+          <a:stretch>
+            <a:fillRect/>
+          </a:stretch>
+        </p:blipFill>
+        <p:spPr>
+          <a:xfrm>
+            <a:off x="1361848" y="160366"/>
+            <a:ext cx="550946" cy="792000"/>
+          </a:xfrm>
+          <a:prstGeom prst="rect">
+            <a:avLst/>
+          </a:prstGeom>
+        </p:spPr>
+      </p:pic>
+      <p:pic>
+        <p:nvPicPr>
+          <p:cNvPr id="26" name="Bild 25"/>
+          <p:cNvPicPr>
+            <a:picLocks noChangeAspect="1"/>
+          </p:cNvPicPr>
+          <p:nvPr/>
+        </p:nvPicPr>
+        <p:blipFill>
+          <a:blip r:embed="rId3"/>
+          <a:stretch>
+            <a:fillRect/>
+          </a:stretch>
+        </p:blipFill>
+        <p:spPr>
+          <a:xfrm>
+            <a:off x="1361848" y="4407637"/>
+            <a:ext cx="550946" cy="792000"/>
+          </a:xfrm>
+          <a:prstGeom prst="rect">
+            <a:avLst/>
+          </a:prstGeom>
+        </p:spPr>
+      </p:pic>
+      <p:sp>
+        <p:nvSpPr>
+          <p:cNvPr id="28" name="Rechteck 27"/>
           <p:cNvSpPr/>
           <p:nvPr/>
         </p:nvSpPr>
         <p:spPr>
           <a:xfrm>
-            <a:off x="1435363" y="5334000"/>
-            <a:ext cx="8640000" cy="828000"/>
+            <a:off x="1913730" y="5518530"/>
+            <a:ext cx="2088000" cy="302139"/>
           </a:xfrm>
           <a:prstGeom prst="rect">
             <a:avLst/>
           </a:prstGeom>
           <a:solidFill>
-            <a:schemeClr val="bg1"/>
+            <a:schemeClr val="accent1">
+              <a:lumMod val="20000"/>
+              <a:lumOff val="80000"/>
+            </a:schemeClr>
           </a:solidFill>
           <a:ln>
-            <a:solidFill>
-              <a:schemeClr val="tx1"/>
-            </a:solidFill>
+            <a:noFill/>
           </a:ln>
         </p:spPr>
         <p:style>
@@ -3340,74 +3389,26 @@
           <a:lstStyle/>
           <a:p>
             <a:pPr algn="ctr"/>
-            <a:endParaRPr lang="de-DE"/>
-          </a:p>
-        </p:txBody>
-      </p:sp>
-      <p:pic>
-        <p:nvPicPr>
-          <p:cNvPr id="22" name="Bild 21"/>
-          <p:cNvPicPr>
-            <a:picLocks noChangeAspect="1"/>
-          </p:cNvPicPr>
-          <p:nvPr/>
-        </p:nvPicPr>
-        <p:blipFill>
-          <a:blip r:embed="rId2"/>
-          <a:stretch>
-            <a:fillRect/>
-          </a:stretch>
-        </p:blipFill>
-        <p:spPr>
-          <a:xfrm>
-            <a:off x="1361848" y="160366"/>
-            <a:ext cx="550946" cy="792000"/>
-          </a:xfrm>
-          <a:prstGeom prst="rect">
-            <a:avLst/>
-          </a:prstGeom>
-        </p:spPr>
-      </p:pic>
-      <p:pic>
-        <p:nvPicPr>
-          <p:cNvPr id="26" name="Bild 25"/>
-          <p:cNvPicPr>
-            <a:picLocks noChangeAspect="1"/>
-          </p:cNvPicPr>
-          <p:nvPr/>
-        </p:nvPicPr>
-        <p:blipFill>
-          <a:blip r:embed="rId3"/>
-          <a:stretch>
-            <a:fillRect/>
-          </a:stretch>
-        </p:blipFill>
-        <p:spPr>
-          <a:xfrm>
-            <a:off x="1361848" y="4407637"/>
-            <a:ext cx="550946" cy="792000"/>
-          </a:xfrm>
-          <a:prstGeom prst="rect">
-            <a:avLst/>
-          </a:prstGeom>
-        </p:spPr>
-      </p:pic>
-      <p:sp>
-        <p:nvSpPr>
-          <p:cNvPr id="28" name="Rechteck 27"/>
+            <a:endParaRPr lang="de-DE" dirty="0"/>
+          </a:p>
+        </p:txBody>
+      </p:sp>
+      <p:sp>
+        <p:nvSpPr>
+          <p:cNvPr id="29" name="Rechteck 28"/>
           <p:cNvSpPr/>
           <p:nvPr/>
         </p:nvSpPr>
         <p:spPr>
           <a:xfrm>
-            <a:off x="1913730" y="5518530"/>
+            <a:off x="7818810" y="5479575"/>
             <a:ext cx="2088000" cy="302139"/>
           </a:xfrm>
           <a:prstGeom prst="rect">
             <a:avLst/>
           </a:prstGeom>
           <a:solidFill>
-            <a:schemeClr val="accent1">
+            <a:schemeClr val="accent6">
               <a:lumMod val="20000"/>
               <a:lumOff val="80000"/>
             </a:schemeClr>
@@ -3443,20 +3444,20 @@
       </p:sp>
       <p:sp>
         <p:nvSpPr>
-          <p:cNvPr id="29" name="Rechteck 28"/>
+          <p:cNvPr id="30" name="Rechteck 29"/>
           <p:cNvSpPr/>
           <p:nvPr/>
         </p:nvSpPr>
         <p:spPr>
           <a:xfrm>
-            <a:off x="7818810" y="5479575"/>
+            <a:off x="4870067" y="5365827"/>
             <a:ext cx="2088000" cy="302139"/>
           </a:xfrm>
           <a:prstGeom prst="rect">
             <a:avLst/>
           </a:prstGeom>
           <a:solidFill>
-            <a:schemeClr val="accent6">
+            <a:schemeClr val="accent3">
               <a:lumMod val="20000"/>
               <a:lumOff val="80000"/>
             </a:schemeClr>
@@ -3492,63 +3493,52 @@
       </p:sp>
       <p:sp>
         <p:nvSpPr>
-          <p:cNvPr id="30" name="Rechteck 29"/>
+          <p:cNvPr id="31" name="Rechteck 30"/>
           <p:cNvSpPr/>
           <p:nvPr/>
         </p:nvSpPr>
         <p:spPr>
           <a:xfrm>
-            <a:off x="4870067" y="5365827"/>
-            <a:ext cx="2088000" cy="302139"/>
+            <a:off x="2315822" y="5740195"/>
+            <a:ext cx="1047083" cy="369332"/>
           </a:xfrm>
           <a:prstGeom prst="rect">
             <a:avLst/>
           </a:prstGeom>
-          <a:solidFill>
-            <a:schemeClr val="accent3">
-              <a:lumMod val="20000"/>
-              <a:lumOff val="80000"/>
-            </a:schemeClr>
-          </a:solidFill>
-          <a:ln>
-            <a:noFill/>
-          </a:ln>
-        </p:spPr>
-        <p:style>
-          <a:lnRef idx="2">
-            <a:schemeClr val="accent1">
-              <a:shade val="50000"/>
-            </a:schemeClr>
-          </a:lnRef>
-          <a:fillRef idx="1">
-            <a:schemeClr val="accent1"/>
-          </a:fillRef>
-          <a:effectRef idx="0">
-            <a:schemeClr val="accent1"/>
-          </a:effectRef>
-          <a:fontRef idx="minor">
-            <a:schemeClr val="lt1"/>
-          </a:fontRef>
-        </p:style>
-        <p:txBody>
-          <a:bodyPr rtlCol="0" anchor="ctr"/>
+        </p:spPr>
+        <p:txBody>
+          <a:bodyPr wrap="none">
+            <a:spAutoFit/>
+          </a:bodyPr>
           <a:lstStyle/>
           <a:p>
             <a:pPr algn="ctr"/>
-            <a:endParaRPr lang="de-DE" dirty="0"/>
-          </a:p>
-        </p:txBody>
-      </p:sp>
-      <p:sp>
-        <p:nvSpPr>
-          <p:cNvPr id="31" name="Rechteck 30"/>
+            <a:r>
+              <a:rPr lang="de-DE" i="1" dirty="0" smtClean="0">
+                <a:latin typeface="Avenir Book" charset="0"/>
+                <a:ea typeface="Avenir Book" charset="0"/>
+                <a:cs typeface="Avenir Book" charset="0"/>
+              </a:rPr>
+              <a:t>Sensorik</a:t>
+            </a:r>
+            <a:endParaRPr lang="de-DE" i="1" dirty="0">
+              <a:latin typeface="Avenir Book" charset="0"/>
+              <a:ea typeface="Avenir Book" charset="0"/>
+              <a:cs typeface="Avenir Book" charset="0"/>
+            </a:endParaRPr>
+          </a:p>
+        </p:txBody>
+      </p:sp>
+      <p:sp>
+        <p:nvSpPr>
+          <p:cNvPr id="32" name="Rechteck 31"/>
           <p:cNvSpPr/>
           <p:nvPr/>
         </p:nvSpPr>
         <p:spPr>
           <a:xfrm>
-            <a:off x="2453853" y="5820669"/>
-            <a:ext cx="1114409" cy="369332"/>
+            <a:off x="5122563" y="5740195"/>
+            <a:ext cx="1214435" cy="369332"/>
           </a:xfrm>
           <a:prstGeom prst="rect">
             <a:avLst/>
@@ -3562,31 +3552,31 @@
           <a:p>
             <a:pPr algn="ctr"/>
             <a:r>
-              <a:rPr lang="de-DE" b="1" dirty="0" smtClean="0">
-                <a:latin typeface="Avenir Black" charset="0"/>
-                <a:ea typeface="Avenir Black" charset="0"/>
-                <a:cs typeface="Avenir Black" charset="0"/>
+              <a:rPr lang="de-DE" i="1" dirty="0" smtClean="0">
+                <a:latin typeface="Avenir Book" charset="0"/>
+                <a:ea typeface="Avenir Book" charset="0"/>
+                <a:cs typeface="Avenir Book" charset="0"/>
               </a:rPr>
-              <a:t>Sensorik</a:t>
-            </a:r>
-            <a:endParaRPr lang="de-DE" b="1" dirty="0">
-              <a:latin typeface="Avenir Black" charset="0"/>
-              <a:ea typeface="Avenir Black" charset="0"/>
-              <a:cs typeface="Avenir Black" charset="0"/>
+              <a:t>Controller</a:t>
+            </a:r>
+            <a:endParaRPr lang="de-DE" i="1" dirty="0">
+              <a:latin typeface="Avenir Book" charset="0"/>
+              <a:ea typeface="Avenir Book" charset="0"/>
+              <a:cs typeface="Avenir Book" charset="0"/>
             </a:endParaRPr>
           </a:p>
         </p:txBody>
       </p:sp>
       <p:sp>
         <p:nvSpPr>
-          <p:cNvPr id="32" name="Rechteck 31"/>
+          <p:cNvPr id="33" name="Rechteck 32"/>
           <p:cNvSpPr/>
           <p:nvPr/>
         </p:nvSpPr>
         <p:spPr>
           <a:xfrm>
-            <a:off x="5084892" y="5781714"/>
-            <a:ext cx="1289777" cy="369332"/>
+            <a:off x="8218590" y="5740195"/>
+            <a:ext cx="910827" cy="369332"/>
           </a:xfrm>
           <a:prstGeom prst="rect">
             <a:avLst/>
@@ -3600,55 +3590,17 @@
           <a:p>
             <a:pPr algn="ctr"/>
             <a:r>
-              <a:rPr lang="de-DE" b="1" smtClean="0">
-                <a:latin typeface="Avenir Black" charset="0"/>
-                <a:ea typeface="Avenir Black" charset="0"/>
-                <a:cs typeface="Avenir Black" charset="0"/>
-              </a:rPr>
-              <a:t>Controller</a:t>
-            </a:r>
-            <a:endParaRPr lang="de-DE" b="1" dirty="0">
-              <a:latin typeface="Avenir Black" charset="0"/>
-              <a:ea typeface="Avenir Black" charset="0"/>
-              <a:cs typeface="Avenir Black" charset="0"/>
-            </a:endParaRPr>
-          </a:p>
-        </p:txBody>
-      </p:sp>
-      <p:sp>
-        <p:nvSpPr>
-          <p:cNvPr id="33" name="Rechteck 32"/>
-          <p:cNvSpPr/>
-          <p:nvPr/>
-        </p:nvSpPr>
-        <p:spPr>
-          <a:xfrm>
-            <a:off x="8420278" y="5717045"/>
-            <a:ext cx="1002198" cy="369332"/>
-          </a:xfrm>
-          <a:prstGeom prst="rect">
-            <a:avLst/>
-          </a:prstGeom>
-        </p:spPr>
-        <p:txBody>
-          <a:bodyPr wrap="none">
-            <a:spAutoFit/>
-          </a:bodyPr>
-          <a:lstStyle/>
-          <a:p>
-            <a:pPr algn="ctr"/>
-            <a:r>
-              <a:rPr lang="de-DE" b="1" dirty="0" err="1" smtClean="0">
-                <a:latin typeface="Avenir Black" charset="0"/>
-                <a:ea typeface="Avenir Black" charset="0"/>
-                <a:cs typeface="Avenir Black" charset="0"/>
+              <a:rPr lang="de-DE" i="1" dirty="0" err="1" smtClean="0">
+                <a:latin typeface="Avenir Book" charset="0"/>
+                <a:ea typeface="Avenir Book" charset="0"/>
+                <a:cs typeface="Avenir Book" charset="0"/>
               </a:rPr>
               <a:t>Aktorik</a:t>
             </a:r>
-            <a:endParaRPr lang="de-DE" b="1" dirty="0">
-              <a:latin typeface="Avenir Black" charset="0"/>
-              <a:ea typeface="Avenir Black" charset="0"/>
-              <a:cs typeface="Avenir Black" charset="0"/>
+            <a:endParaRPr lang="de-DE" i="1" dirty="0">
+              <a:latin typeface="Avenir Book" charset="0"/>
+              <a:ea typeface="Avenir Book" charset="0"/>
+              <a:cs typeface="Avenir Book" charset="0"/>
             </a:endParaRPr>
           </a:p>
         </p:txBody>
@@ -4035,7 +3987,7 @@
         </p:nvGrpSpPr>
         <p:grpSpPr>
           <a:xfrm>
-            <a:off x="4588557" y="2472112"/>
+            <a:off x="4588557" y="1106299"/>
             <a:ext cx="2556111" cy="1420061"/>
             <a:chOff x="4588557" y="253620"/>
             <a:chExt cx="2556111" cy="1420061"/>
@@ -4094,7 +4046,7 @@
           </p:nvSpPr>
           <p:spPr>
             <a:xfrm>
-              <a:off x="5318003" y="622688"/>
+              <a:off x="5364303" y="645838"/>
               <a:ext cx="1289777" cy="369332"/>
             </a:xfrm>
             <a:prstGeom prst="rect">
@@ -4171,7 +4123,7 @@
         <p:spPr>
           <a:xfrm>
             <a:off x="1255363" y="-1"/>
-            <a:ext cx="9000000" cy="6364286"/>
+            <a:ext cx="9000000" cy="6109526"/>
           </a:xfrm>
           <a:prstGeom prst="rect">
             <a:avLst/>
@@ -4391,8 +4343,8 @@
         </p:nvCxnSpPr>
         <p:spPr>
           <a:xfrm flipV="1">
-            <a:off x="4856348" y="932002"/>
-            <a:ext cx="2897" cy="1656000"/>
+            <a:off x="4859245" y="932002"/>
+            <a:ext cx="0" cy="290182"/>
           </a:xfrm>
           <a:prstGeom prst="line">
             <a:avLst/>
@@ -4426,7 +4378,7 @@
         </p:nvCxnSpPr>
         <p:spPr>
           <a:xfrm flipH="1" flipV="1">
-            <a:off x="4850811" y="3694734"/>
+            <a:off x="4873015" y="3706309"/>
             <a:ext cx="0" cy="1485298"/>
           </a:xfrm>
           <a:prstGeom prst="line">
@@ -4453,6 +4405,279 @@
           </a:fontRef>
         </p:style>
       </p:cxnSp>
+      <p:grpSp>
+        <p:nvGrpSpPr>
+          <p:cNvPr id="13" name="Gruppierung 12"/>
+          <p:cNvGrpSpPr/>
+          <p:nvPr/>
+        </p:nvGrpSpPr>
+        <p:grpSpPr>
+          <a:xfrm>
+            <a:off x="4764153" y="3361944"/>
+            <a:ext cx="1710000" cy="1720867"/>
+            <a:chOff x="10255363" y="2393501"/>
+            <a:chExt cx="1710000" cy="1720867"/>
+          </a:xfrm>
+        </p:grpSpPr>
+        <p:pic>
+          <p:nvPicPr>
+            <p:cNvPr id="11" name="Bild 10"/>
+            <p:cNvPicPr>
+              <a:picLocks noChangeAspect="1"/>
+            </p:cNvPicPr>
+            <p:nvPr/>
+          </p:nvPicPr>
+          <p:blipFill>
+            <a:blip r:embed="rId7">
+              <a:extLst>
+                <a:ext uri="{BEBA8EAE-BF5A-486C-A8C5-ECC9F3942E4B}">
+                  <a14:imgProps xmlns:a14="http://schemas.microsoft.com/office/drawing/2010/main">
+                    <a14:imgLayer r:embed="rId8">
+                      <a14:imgEffect>
+                        <a14:backgroundRemoval t="0" b="100000" l="958" r="100000">
+                          <a14:foregroundMark x1="45527" y1="59425" x2="45527" y2="59425"/>
+                          <a14:foregroundMark x1="34665" y1="69329" x2="34665" y2="69329"/>
+                          <a14:foregroundMark x1="64696" y1="66613" x2="64696" y2="66613"/>
+                          <a14:foregroundMark x1="79233" y1="56709" x2="79233" y2="56709"/>
+                          <a14:foregroundMark x1="92812" y1="18530" x2="92812" y2="18530"/>
+                          <a14:foregroundMark x1="10064" y1="87540" x2="10064" y2="87540"/>
+                          <a14:foregroundMark x1="79233" y1="32109" x2="79233" y2="32109"/>
+                          <a14:backgroundMark x1="11981" y1="63898" x2="11981" y2="63898"/>
+                        </a14:backgroundRemoval>
+                      </a14:imgEffect>
+                    </a14:imgLayer>
+                  </a14:imgProps>
+                </a:ext>
+              </a:extLst>
+            </a:blip>
+            <a:stretch>
+              <a:fillRect/>
+            </a:stretch>
+          </p:blipFill>
+          <p:spPr>
+            <a:xfrm>
+              <a:off x="10255363" y="2393501"/>
+              <a:ext cx="1710000" cy="1720867"/>
+            </a:xfrm>
+            <a:prstGeom prst="rect">
+              <a:avLst/>
+            </a:prstGeom>
+          </p:spPr>
+        </p:pic>
+        <p:sp>
+          <p:nvSpPr>
+            <p:cNvPr id="49" name="Rechteck 48"/>
+            <p:cNvSpPr/>
+            <p:nvPr/>
+          </p:nvSpPr>
+          <p:spPr>
+            <a:xfrm>
+              <a:off x="10670081" y="2656852"/>
+              <a:ext cx="885179" cy="584775"/>
+            </a:xfrm>
+            <a:prstGeom prst="rect">
+              <a:avLst/>
+            </a:prstGeom>
+          </p:spPr>
+          <p:txBody>
+            <a:bodyPr wrap="none">
+              <a:spAutoFit/>
+            </a:bodyPr>
+            <a:lstStyle/>
+            <a:p>
+              <a:pPr algn="ctr"/>
+              <a:r>
+                <a:rPr lang="de-DE" sz="1600" b="1" smtClean="0">
+                  <a:latin typeface="Avenir Black" charset="0"/>
+                  <a:ea typeface="Avenir Black" charset="0"/>
+                  <a:cs typeface="Avenir Black" charset="0"/>
+                </a:rPr>
+                <a:t>Rechen</a:t>
+              </a:r>
+            </a:p>
+            <a:p>
+              <a:pPr algn="ctr"/>
+              <a:r>
+                <a:rPr lang="de-DE" sz="1600" b="1" dirty="0" smtClean="0">
+                  <a:latin typeface="Avenir Black" charset="0"/>
+                  <a:ea typeface="Avenir Black" charset="0"/>
+                  <a:cs typeface="Avenir Black" charset="0"/>
+                </a:rPr>
+                <a:t>werk</a:t>
+              </a:r>
+              <a:endParaRPr lang="de-DE" sz="1600" b="1" dirty="0">
+                <a:latin typeface="Avenir Black" charset="0"/>
+                <a:ea typeface="Avenir Black" charset="0"/>
+                <a:cs typeface="Avenir Black" charset="0"/>
+              </a:endParaRPr>
+            </a:p>
+          </p:txBody>
+        </p:sp>
+      </p:grpSp>
+      <p:cxnSp>
+        <p:nvCxnSpPr>
+          <p:cNvPr id="50" name="Gerade Verbindung 49"/>
+          <p:cNvCxnSpPr/>
+          <p:nvPr/>
+        </p:nvCxnSpPr>
+        <p:spPr>
+          <a:xfrm flipH="1" flipV="1">
+            <a:off x="4873015" y="3038187"/>
+            <a:ext cx="0" cy="1485298"/>
+          </a:xfrm>
+          <a:prstGeom prst="line">
+            <a:avLst/>
+          </a:prstGeom>
+          <a:ln w="19050">
+            <a:solidFill>
+              <a:schemeClr val="tx1"/>
+            </a:solidFill>
+          </a:ln>
+        </p:spPr>
+        <p:style>
+          <a:lnRef idx="1">
+            <a:schemeClr val="accent1"/>
+          </a:lnRef>
+          <a:fillRef idx="0">
+            <a:schemeClr val="accent1"/>
+          </a:fillRef>
+          <a:effectRef idx="0">
+            <a:schemeClr val="accent1"/>
+          </a:effectRef>
+          <a:fontRef idx="minor">
+            <a:schemeClr val="tx1"/>
+          </a:fontRef>
+        </p:style>
+      </p:cxnSp>
+      <p:cxnSp>
+        <p:nvCxnSpPr>
+          <p:cNvPr id="51" name="Gerade Verbindung 50"/>
+          <p:cNvCxnSpPr/>
+          <p:nvPr/>
+        </p:nvCxnSpPr>
+        <p:spPr>
+          <a:xfrm flipV="1">
+            <a:off x="5607578" y="2599829"/>
+            <a:ext cx="0" cy="762115"/>
+          </a:xfrm>
+          <a:prstGeom prst="line">
+            <a:avLst/>
+          </a:prstGeom>
+          <a:ln w="19050">
+            <a:solidFill>
+              <a:schemeClr val="tx1"/>
+            </a:solidFill>
+          </a:ln>
+        </p:spPr>
+        <p:style>
+          <a:lnRef idx="1">
+            <a:schemeClr val="accent1"/>
+          </a:lnRef>
+          <a:fillRef idx="0">
+            <a:schemeClr val="accent1"/>
+          </a:fillRef>
+          <a:effectRef idx="0">
+            <a:schemeClr val="accent1"/>
+          </a:effectRef>
+          <a:fontRef idx="minor">
+            <a:schemeClr val="tx1"/>
+          </a:fontRef>
+        </p:style>
+      </p:cxnSp>
+      <p:cxnSp>
+        <p:nvCxnSpPr>
+          <p:cNvPr id="52" name="Gerade Verbindung 51"/>
+          <p:cNvCxnSpPr/>
+          <p:nvPr/>
+        </p:nvCxnSpPr>
+        <p:spPr>
+          <a:xfrm flipV="1">
+            <a:off x="4859245" y="2295577"/>
+            <a:ext cx="0" cy="307595"/>
+          </a:xfrm>
+          <a:prstGeom prst="line">
+            <a:avLst/>
+          </a:prstGeom>
+          <a:ln w="19050">
+            <a:solidFill>
+              <a:schemeClr val="tx1"/>
+            </a:solidFill>
+          </a:ln>
+        </p:spPr>
+        <p:style>
+          <a:lnRef idx="1">
+            <a:schemeClr val="accent1"/>
+          </a:lnRef>
+          <a:fillRef idx="0">
+            <a:schemeClr val="accent1"/>
+          </a:fillRef>
+          <a:effectRef idx="0">
+            <a:schemeClr val="accent1"/>
+          </a:effectRef>
+          <a:fontRef idx="minor">
+            <a:schemeClr val="tx1"/>
+          </a:fontRef>
+        </p:style>
+      </p:cxnSp>
+      <p:cxnSp>
+        <p:nvCxnSpPr>
+          <p:cNvPr id="53" name="Gerade Verbindung 52"/>
+          <p:cNvCxnSpPr/>
+          <p:nvPr/>
+        </p:nvCxnSpPr>
+        <p:spPr>
+          <a:xfrm>
+            <a:off x="4847670" y="2599829"/>
+            <a:ext cx="756000" cy="955"/>
+          </a:xfrm>
+          <a:prstGeom prst="line">
+            <a:avLst/>
+          </a:prstGeom>
+          <a:ln w="19050">
+            <a:solidFill>
+              <a:schemeClr val="tx1"/>
+            </a:solidFill>
+          </a:ln>
+        </p:spPr>
+        <p:style>
+          <a:lnRef idx="1">
+            <a:schemeClr val="accent1"/>
+          </a:lnRef>
+          <a:fillRef idx="0">
+            <a:schemeClr val="accent1"/>
+          </a:fillRef>
+          <a:effectRef idx="0">
+            <a:schemeClr val="accent1"/>
+          </a:effectRef>
+          <a:fontRef idx="minor">
+            <a:schemeClr val="tx1"/>
+          </a:fontRef>
+        </p:style>
+      </p:cxnSp>
+      <p:pic>
+        <p:nvPicPr>
+          <p:cNvPr id="20" name="Bild 19"/>
+          <p:cNvPicPr>
+            <a:picLocks noChangeAspect="1"/>
+          </p:cNvPicPr>
+          <p:nvPr/>
+        </p:nvPicPr>
+        <p:blipFill>
+          <a:blip r:embed="rId9"/>
+          <a:stretch>
+            <a:fillRect/>
+          </a:stretch>
+        </p:blipFill>
+        <p:spPr>
+          <a:xfrm>
+            <a:off x="1587500" y="323850"/>
+            <a:ext cx="9017000" cy="6210300"/>
+          </a:xfrm>
+          <a:prstGeom prst="rect">
+            <a:avLst/>
+          </a:prstGeom>
+        </p:spPr>
+      </p:pic>
     </p:spTree>
     <p:extLst>
       <p:ext uri="{BB962C8B-B14F-4D97-AF65-F5344CB8AC3E}">

--- a/docs/abbildungen/20160318_konzept.pptx
+++ b/docs/abbildungen/20160318_konzept.pptx
@@ -4654,30 +4654,6 @@
           </a:fontRef>
         </p:style>
       </p:cxnSp>
-      <p:pic>
-        <p:nvPicPr>
-          <p:cNvPr id="20" name="Bild 19"/>
-          <p:cNvPicPr>
-            <a:picLocks noChangeAspect="1"/>
-          </p:cNvPicPr>
-          <p:nvPr/>
-        </p:nvPicPr>
-        <p:blipFill>
-          <a:blip r:embed="rId9"/>
-          <a:stretch>
-            <a:fillRect/>
-          </a:stretch>
-        </p:blipFill>
-        <p:spPr>
-          <a:xfrm>
-            <a:off x="1587500" y="323850"/>
-            <a:ext cx="9017000" cy="6210300"/>
-          </a:xfrm>
-          <a:prstGeom prst="rect">
-            <a:avLst/>
-          </a:prstGeom>
-        </p:spPr>
-      </p:pic>
     </p:spTree>
     <p:extLst>
       <p:ext uri="{BB962C8B-B14F-4D97-AF65-F5344CB8AC3E}">
